--- a/tugas.pptx
+++ b/tugas.pptx
@@ -112,6 +112,11 @@
       </a:defRPr>
     </a:lvl9pPr>
   </p:defaultTextStyle>
+  <p:extLst>
+    <p:ext uri="{EFAFB233-063F-42B5-8137-9DF3F51BA10A}">
+      <p15:sldGuideLst xmlns:p15="http://schemas.microsoft.com/office/powerpoint/2012/main"/>
+    </p:ext>
+  </p:extLst>
 </p:presentation>
 </file>
 
@@ -5875,6 +5880,39 @@
           </a:p>
         </p:txBody>
       </p:sp>
+      <p:pic>
+        <p:nvPicPr>
+          <p:cNvPr id="3" name="Google Shape;56;p13">
+            <a:extLst>
+              <a:ext uri="{FF2B5EF4-FFF2-40B4-BE49-F238E27FC236}">
+                <a16:creationId xmlns:a16="http://schemas.microsoft.com/office/drawing/2014/main" id="{9E16F5C9-60DA-9EE8-5395-981CCC1916EC}"/>
+              </a:ext>
+            </a:extLst>
+          </p:cNvPr>
+          <p:cNvPicPr preferRelativeResize="0"/>
+          <p:nvPr/>
+        </p:nvPicPr>
+        <p:blipFill rotWithShape="1">
+          <a:blip r:embed="rId2">
+            <a:alphaModFix/>
+          </a:blip>
+          <a:srcRect t="34204" b="33891"/>
+          <a:stretch/>
+        </p:blipFill>
+        <p:spPr>
+          <a:xfrm>
+            <a:off x="10520985" y="60417"/>
+            <a:ext cx="1447153" cy="461701"/>
+          </a:xfrm>
+          <a:prstGeom prst="rect">
+            <a:avLst/>
+          </a:prstGeom>
+          <a:noFill/>
+          <a:ln>
+            <a:noFill/>
+          </a:ln>
+        </p:spPr>
+      </p:pic>
     </p:spTree>
     <p:extLst>
       <p:ext uri="{BB962C8B-B14F-4D97-AF65-F5344CB8AC3E}">
@@ -9170,6 +9208,39 @@
           </a:p>
         </p:txBody>
       </p:sp>
+      <p:pic>
+        <p:nvPicPr>
+          <p:cNvPr id="4" name="Google Shape;56;p13">
+            <a:extLst>
+              <a:ext uri="{FF2B5EF4-FFF2-40B4-BE49-F238E27FC236}">
+                <a16:creationId xmlns:a16="http://schemas.microsoft.com/office/drawing/2014/main" id="{6C7793E6-24AE-B753-619A-23DA7F2F8C30}"/>
+              </a:ext>
+            </a:extLst>
+          </p:cNvPr>
+          <p:cNvPicPr preferRelativeResize="0"/>
+          <p:nvPr/>
+        </p:nvPicPr>
+        <p:blipFill rotWithShape="1">
+          <a:blip r:embed="rId2">
+            <a:alphaModFix/>
+          </a:blip>
+          <a:srcRect t="34204" b="33891"/>
+          <a:stretch/>
+        </p:blipFill>
+        <p:spPr>
+          <a:xfrm>
+            <a:off x="10520985" y="60417"/>
+            <a:ext cx="1447153" cy="461701"/>
+          </a:xfrm>
+          <a:prstGeom prst="rect">
+            <a:avLst/>
+          </a:prstGeom>
+          <a:noFill/>
+          <a:ln>
+            <a:noFill/>
+          </a:ln>
+        </p:spPr>
+      </p:pic>
     </p:spTree>
     <p:extLst>
       <p:ext uri="{BB962C8B-B14F-4D97-AF65-F5344CB8AC3E}">
@@ -9350,6 +9421,39 @@
           </a:prstGeom>
         </p:spPr>
       </p:pic>
+      <p:pic>
+        <p:nvPicPr>
+          <p:cNvPr id="2" name="Google Shape;56;p13">
+            <a:extLst>
+              <a:ext uri="{FF2B5EF4-FFF2-40B4-BE49-F238E27FC236}">
+                <a16:creationId xmlns:a16="http://schemas.microsoft.com/office/drawing/2014/main" id="{735AC84A-1415-0363-A0C8-3B5F2FC30244}"/>
+              </a:ext>
+            </a:extLst>
+          </p:cNvPr>
+          <p:cNvPicPr preferRelativeResize="0"/>
+          <p:nvPr/>
+        </p:nvPicPr>
+        <p:blipFill rotWithShape="1">
+          <a:blip r:embed="rId5">
+            <a:alphaModFix/>
+          </a:blip>
+          <a:srcRect t="34204" b="33891"/>
+          <a:stretch/>
+        </p:blipFill>
+        <p:spPr>
+          <a:xfrm>
+            <a:off x="10520985" y="60417"/>
+            <a:ext cx="1447153" cy="461701"/>
+          </a:xfrm>
+          <a:prstGeom prst="rect">
+            <a:avLst/>
+          </a:prstGeom>
+          <a:noFill/>
+          <a:ln>
+            <a:noFill/>
+          </a:ln>
+        </p:spPr>
+      </p:pic>
     </p:spTree>
     <p:extLst>
       <p:ext uri="{BB962C8B-B14F-4D97-AF65-F5344CB8AC3E}">
@@ -11925,6 +12029,39 @@
           </a:p>
         </p:txBody>
       </p:sp>
+      <p:pic>
+        <p:nvPicPr>
+          <p:cNvPr id="3" name="Google Shape;56;p13">
+            <a:extLst>
+              <a:ext uri="{FF2B5EF4-FFF2-40B4-BE49-F238E27FC236}">
+                <a16:creationId xmlns:a16="http://schemas.microsoft.com/office/drawing/2014/main" id="{1CAADF42-C92D-0DA1-2B1A-65F02586BBF1}"/>
+              </a:ext>
+            </a:extLst>
+          </p:cNvPr>
+          <p:cNvPicPr preferRelativeResize="0"/>
+          <p:nvPr/>
+        </p:nvPicPr>
+        <p:blipFill rotWithShape="1">
+          <a:blip r:embed="rId2">
+            <a:alphaModFix/>
+          </a:blip>
+          <a:srcRect t="34204" b="33891"/>
+          <a:stretch/>
+        </p:blipFill>
+        <p:spPr>
+          <a:xfrm>
+            <a:off x="10520985" y="60417"/>
+            <a:ext cx="1447153" cy="461701"/>
+          </a:xfrm>
+          <a:prstGeom prst="rect">
+            <a:avLst/>
+          </a:prstGeom>
+          <a:noFill/>
+          <a:ln>
+            <a:noFill/>
+          </a:ln>
+        </p:spPr>
+      </p:pic>
     </p:spTree>
     <p:extLst>
       <p:ext uri="{BB962C8B-B14F-4D97-AF65-F5344CB8AC3E}">
@@ -12026,6 +12163,39 @@
           <a:prstGeom prst="rect">
             <a:avLst/>
           </a:prstGeom>
+        </p:spPr>
+      </p:pic>
+      <p:pic>
+        <p:nvPicPr>
+          <p:cNvPr id="3" name="Google Shape;56;p13">
+            <a:extLst>
+              <a:ext uri="{FF2B5EF4-FFF2-40B4-BE49-F238E27FC236}">
+                <a16:creationId xmlns:a16="http://schemas.microsoft.com/office/drawing/2014/main" id="{4B16D986-9372-7433-F925-C0D16F8FF89F}"/>
+              </a:ext>
+            </a:extLst>
+          </p:cNvPr>
+          <p:cNvPicPr preferRelativeResize="0"/>
+          <p:nvPr/>
+        </p:nvPicPr>
+        <p:blipFill rotWithShape="1">
+          <a:blip r:embed="rId3">
+            <a:alphaModFix/>
+          </a:blip>
+          <a:srcRect t="34204" b="33891"/>
+          <a:stretch/>
+        </p:blipFill>
+        <p:spPr>
+          <a:xfrm>
+            <a:off x="10520985" y="60417"/>
+            <a:ext cx="1447153" cy="461701"/>
+          </a:xfrm>
+          <a:prstGeom prst="rect">
+            <a:avLst/>
+          </a:prstGeom>
+          <a:noFill/>
+          <a:ln>
+            <a:noFill/>
+          </a:ln>
         </p:spPr>
       </p:pic>
     </p:spTree>
@@ -12285,6 +12455,39 @@
           </a:p>
         </p:txBody>
       </p:sp>
+      <p:pic>
+        <p:nvPicPr>
+          <p:cNvPr id="3" name="Google Shape;56;p13">
+            <a:extLst>
+              <a:ext uri="{FF2B5EF4-FFF2-40B4-BE49-F238E27FC236}">
+                <a16:creationId xmlns:a16="http://schemas.microsoft.com/office/drawing/2014/main" id="{C2DA562F-4B35-CC5E-2BE6-5F4E1CCC4A44}"/>
+              </a:ext>
+            </a:extLst>
+          </p:cNvPr>
+          <p:cNvPicPr preferRelativeResize="0"/>
+          <p:nvPr/>
+        </p:nvPicPr>
+        <p:blipFill rotWithShape="1">
+          <a:blip r:embed="rId4">
+            <a:alphaModFix/>
+          </a:blip>
+          <a:srcRect t="34204" b="33891"/>
+          <a:stretch/>
+        </p:blipFill>
+        <p:spPr>
+          <a:xfrm>
+            <a:off x="10520985" y="60417"/>
+            <a:ext cx="1447153" cy="461701"/>
+          </a:xfrm>
+          <a:prstGeom prst="rect">
+            <a:avLst/>
+          </a:prstGeom>
+          <a:noFill/>
+          <a:ln>
+            <a:noFill/>
+          </a:ln>
+        </p:spPr>
+      </p:pic>
     </p:spTree>
     <p:extLst>
       <p:ext uri="{BB962C8B-B14F-4D97-AF65-F5344CB8AC3E}">
@@ -12535,6 +12738,39 @@
           <a:prstGeom prst="rect">
             <a:avLst/>
           </a:prstGeom>
+        </p:spPr>
+      </p:pic>
+      <p:pic>
+        <p:nvPicPr>
+          <p:cNvPr id="2" name="Google Shape;56;p13">
+            <a:extLst>
+              <a:ext uri="{FF2B5EF4-FFF2-40B4-BE49-F238E27FC236}">
+                <a16:creationId xmlns:a16="http://schemas.microsoft.com/office/drawing/2014/main" id="{48F41B50-E413-BF7C-562E-38C3CE1480DD}"/>
+              </a:ext>
+            </a:extLst>
+          </p:cNvPr>
+          <p:cNvPicPr preferRelativeResize="0"/>
+          <p:nvPr/>
+        </p:nvPicPr>
+        <p:blipFill rotWithShape="1">
+          <a:blip r:embed="rId3">
+            <a:alphaModFix/>
+          </a:blip>
+          <a:srcRect t="34204" b="33891"/>
+          <a:stretch/>
+        </p:blipFill>
+        <p:spPr>
+          <a:xfrm>
+            <a:off x="10520985" y="60417"/>
+            <a:ext cx="1447153" cy="461701"/>
+          </a:xfrm>
+          <a:prstGeom prst="rect">
+            <a:avLst/>
+          </a:prstGeom>
+          <a:noFill/>
+          <a:ln>
+            <a:noFill/>
+          </a:ln>
         </p:spPr>
       </p:pic>
     </p:spTree>
@@ -12785,6 +13021,39 @@
           <a:prstGeom prst="rect">
             <a:avLst/>
           </a:prstGeom>
+        </p:spPr>
+      </p:pic>
+      <p:pic>
+        <p:nvPicPr>
+          <p:cNvPr id="2" name="Google Shape;56;p13">
+            <a:extLst>
+              <a:ext uri="{FF2B5EF4-FFF2-40B4-BE49-F238E27FC236}">
+                <a16:creationId xmlns:a16="http://schemas.microsoft.com/office/drawing/2014/main" id="{1FE9CBBE-9575-5746-11CF-E85E577DBF72}"/>
+              </a:ext>
+            </a:extLst>
+          </p:cNvPr>
+          <p:cNvPicPr preferRelativeResize="0"/>
+          <p:nvPr/>
+        </p:nvPicPr>
+        <p:blipFill rotWithShape="1">
+          <a:blip r:embed="rId4">
+            <a:alphaModFix/>
+          </a:blip>
+          <a:srcRect t="34204" b="33891"/>
+          <a:stretch/>
+        </p:blipFill>
+        <p:spPr>
+          <a:xfrm>
+            <a:off x="10520985" y="60417"/>
+            <a:ext cx="1447153" cy="461701"/>
+          </a:xfrm>
+          <a:prstGeom prst="rect">
+            <a:avLst/>
+          </a:prstGeom>
+          <a:noFill/>
+          <a:ln>
+            <a:noFill/>
+          </a:ln>
         </p:spPr>
       </p:pic>
     </p:spTree>

--- a/tugas.pptx
+++ b/tugas.pptx
@@ -10,10 +10,11 @@
     <p:sldId id="257" r:id="rId4"/>
     <p:sldId id="258" r:id="rId5"/>
     <p:sldId id="259" r:id="rId6"/>
-    <p:sldId id="261" r:id="rId7"/>
-    <p:sldId id="262" r:id="rId8"/>
-    <p:sldId id="263" r:id="rId9"/>
-    <p:sldId id="265" r:id="rId10"/>
+    <p:sldId id="266" r:id="rId7"/>
+    <p:sldId id="261" r:id="rId8"/>
+    <p:sldId id="262" r:id="rId9"/>
+    <p:sldId id="263" r:id="rId10"/>
+    <p:sldId id="265" r:id="rId11"/>
   </p:sldIdLst>
   <p:sldSz cx="12192000" cy="6858000"/>
   <p:notesSz cx="6858000" cy="9144000"/>
@@ -842,7 +843,7 @@
           <a:p>
             <a:fld id="{1B697B27-5F6C-4F06-B10C-C171196EF73D}" type="datetimeFigureOut">
               <a:rPr lang="en-ID" smtClean="0"/>
-              <a:t>29/05/2025</a:t>
+              <a:t>30/05/2025</a:t>
             </a:fld>
             <a:endParaRPr lang="en-ID"/>
           </a:p>
@@ -1093,7 +1094,7 @@
           <a:p>
             <a:fld id="{1B697B27-5F6C-4F06-B10C-C171196EF73D}" type="datetimeFigureOut">
               <a:rPr lang="en-ID" smtClean="0"/>
-              <a:t>29/05/2025</a:t>
+              <a:t>30/05/2025</a:t>
             </a:fld>
             <a:endParaRPr lang="en-ID"/>
           </a:p>
@@ -1407,7 +1408,7 @@
           <a:p>
             <a:fld id="{1B697B27-5F6C-4F06-B10C-C171196EF73D}" type="datetimeFigureOut">
               <a:rPr lang="en-ID" smtClean="0"/>
-              <a:t>29/05/2025</a:t>
+              <a:t>30/05/2025</a:t>
             </a:fld>
             <a:endParaRPr lang="en-ID"/>
           </a:p>
@@ -1748,7 +1749,7 @@
           <a:p>
             <a:fld id="{1B697B27-5F6C-4F06-B10C-C171196EF73D}" type="datetimeFigureOut">
               <a:rPr lang="en-ID" smtClean="0"/>
-              <a:t>29/05/2025</a:t>
+              <a:t>30/05/2025</a:t>
             </a:fld>
             <a:endParaRPr lang="en-ID"/>
           </a:p>
@@ -2062,7 +2063,7 @@
           <a:p>
             <a:fld id="{1B697B27-5F6C-4F06-B10C-C171196EF73D}" type="datetimeFigureOut">
               <a:rPr lang="en-ID" smtClean="0"/>
-              <a:t>29/05/2025</a:t>
+              <a:t>30/05/2025</a:t>
             </a:fld>
             <a:endParaRPr lang="en-ID"/>
           </a:p>
@@ -2455,7 +2456,7 @@
           <a:p>
             <a:fld id="{1B697B27-5F6C-4F06-B10C-C171196EF73D}" type="datetimeFigureOut">
               <a:rPr lang="en-ID" smtClean="0"/>
-              <a:t>29/05/2025</a:t>
+              <a:t>30/05/2025</a:t>
             </a:fld>
             <a:endParaRPr lang="en-ID"/>
           </a:p>
@@ -2625,7 +2626,7 @@
           <a:p>
             <a:fld id="{1B697B27-5F6C-4F06-B10C-C171196EF73D}" type="datetimeFigureOut">
               <a:rPr lang="en-ID" smtClean="0"/>
-              <a:t>29/05/2025</a:t>
+              <a:t>30/05/2025</a:t>
             </a:fld>
             <a:endParaRPr lang="en-ID"/>
           </a:p>
@@ -2805,7 +2806,7 @@
           <a:p>
             <a:fld id="{1B697B27-5F6C-4F06-B10C-C171196EF73D}" type="datetimeFigureOut">
               <a:rPr lang="en-ID" smtClean="0"/>
-              <a:t>29/05/2025</a:t>
+              <a:t>30/05/2025</a:t>
             </a:fld>
             <a:endParaRPr lang="en-ID"/>
           </a:p>
@@ -2981,7 +2982,7 @@
           <a:p>
             <a:fld id="{1B697B27-5F6C-4F06-B10C-C171196EF73D}" type="datetimeFigureOut">
               <a:rPr lang="en-ID" smtClean="0"/>
-              <a:t>29/05/2025</a:t>
+              <a:t>30/05/2025</a:t>
             </a:fld>
             <a:endParaRPr lang="en-ID"/>
           </a:p>
@@ -3228,7 +3229,7 @@
           <a:p>
             <a:fld id="{1B697B27-5F6C-4F06-B10C-C171196EF73D}" type="datetimeFigureOut">
               <a:rPr lang="en-ID" smtClean="0"/>
-              <a:t>29/05/2025</a:t>
+              <a:t>30/05/2025</a:t>
             </a:fld>
             <a:endParaRPr lang="en-ID"/>
           </a:p>
@@ -3460,7 +3461,7 @@
           <a:p>
             <a:fld id="{1B697B27-5F6C-4F06-B10C-C171196EF73D}" type="datetimeFigureOut">
               <a:rPr lang="en-ID" smtClean="0"/>
-              <a:t>29/05/2025</a:t>
+              <a:t>30/05/2025</a:t>
             </a:fld>
             <a:endParaRPr lang="en-ID"/>
           </a:p>
@@ -3834,7 +3835,7 @@
           <a:p>
             <a:fld id="{1B697B27-5F6C-4F06-B10C-C171196EF73D}" type="datetimeFigureOut">
               <a:rPr lang="en-ID" smtClean="0"/>
-              <a:t>29/05/2025</a:t>
+              <a:t>30/05/2025</a:t>
             </a:fld>
             <a:endParaRPr lang="en-ID"/>
           </a:p>
@@ -3957,7 +3958,7 @@
           <a:p>
             <a:fld id="{1B697B27-5F6C-4F06-B10C-C171196EF73D}" type="datetimeFigureOut">
               <a:rPr lang="en-ID" smtClean="0"/>
-              <a:t>29/05/2025</a:t>
+              <a:t>30/05/2025</a:t>
             </a:fld>
             <a:endParaRPr lang="en-ID"/>
           </a:p>
@@ -4052,7 +4053,7 @@
           <a:p>
             <a:fld id="{1B697B27-5F6C-4F06-B10C-C171196EF73D}" type="datetimeFigureOut">
               <a:rPr lang="en-ID" smtClean="0"/>
-              <a:t>29/05/2025</a:t>
+              <a:t>30/05/2025</a:t>
             </a:fld>
             <a:endParaRPr lang="en-ID"/>
           </a:p>
@@ -4307,7 +4308,7 @@
           <a:p>
             <a:fld id="{1B697B27-5F6C-4F06-B10C-C171196EF73D}" type="datetimeFigureOut">
               <a:rPr lang="en-ID" smtClean="0"/>
-              <a:t>29/05/2025</a:t>
+              <a:t>30/05/2025</a:t>
             </a:fld>
             <a:endParaRPr lang="en-ID"/>
           </a:p>
@@ -4570,7 +4571,7 @@
           <a:p>
             <a:fld id="{1B697B27-5F6C-4F06-B10C-C171196EF73D}" type="datetimeFigureOut">
               <a:rPr lang="en-ID" smtClean="0"/>
-              <a:t>29/05/2025</a:t>
+              <a:t>30/05/2025</a:t>
             </a:fld>
             <a:endParaRPr lang="en-ID"/>
           </a:p>
@@ -5313,7 +5314,7 @@
           <a:p>
             <a:fld id="{1B697B27-5F6C-4F06-B10C-C171196EF73D}" type="datetimeFigureOut">
               <a:rPr lang="en-ID" smtClean="0"/>
-              <a:t>29/05/2025</a:t>
+              <a:t>30/05/2025</a:t>
             </a:fld>
             <a:endParaRPr lang="en-ID"/>
           </a:p>
@@ -5926,6 +5927,1348 @@
 </p:sld>
 </file>
 
+<file path=ppt/slides/slide10.xml><?xml version="1.0" encoding="utf-8"?>
+<p:sld xmlns:a="http://schemas.openxmlformats.org/drawingml/2006/main" xmlns:r="http://schemas.openxmlformats.org/officeDocument/2006/relationships" xmlns:p="http://schemas.openxmlformats.org/presentationml/2006/main">
+  <p:cSld>
+    <p:spTree>
+      <p:nvGrpSpPr>
+        <p:cNvPr id="1" name=""/>
+        <p:cNvGrpSpPr/>
+        <p:nvPr/>
+      </p:nvGrpSpPr>
+      <p:grpSpPr>
+        <a:xfrm>
+          <a:off x="0" y="0"/>
+          <a:ext cx="0" cy="0"/>
+          <a:chOff x="0" y="0"/>
+          <a:chExt cx="0" cy="0"/>
+        </a:xfrm>
+      </p:grpSpPr>
+      <p:sp>
+        <p:nvSpPr>
+          <p:cNvPr id="2" name="Title 1">
+            <a:extLst>
+              <a:ext uri="{FF2B5EF4-FFF2-40B4-BE49-F238E27FC236}">
+                <a16:creationId xmlns:a16="http://schemas.microsoft.com/office/drawing/2014/main" id="{DE9C10F2-3CF6-9217-A455-BD7704717772}"/>
+              </a:ext>
+            </a:extLst>
+          </p:cNvPr>
+          <p:cNvSpPr>
+            <a:spLocks noGrp="1"/>
+          </p:cNvSpPr>
+          <p:nvPr>
+            <p:ph type="title"/>
+          </p:nvPr>
+        </p:nvSpPr>
+        <p:spPr>
+          <a:xfrm>
+            <a:off x="757623" y="1694986"/>
+            <a:ext cx="8596668" cy="1855562"/>
+          </a:xfrm>
+        </p:spPr>
+        <p:txBody>
+          <a:bodyPr>
+            <a:noAutofit/>
+          </a:bodyPr>
+          <a:lstStyle/>
+          <a:p>
+            <a:r>
+              <a:rPr lang="en-ID" sz="1800" dirty="0" err="1">
+                <a:solidFill>
+                  <a:schemeClr val="tx1"/>
+                </a:solidFill>
+              </a:rPr>
+              <a:t>Sistem</a:t>
+            </a:r>
+            <a:r>
+              <a:rPr lang="en-ID" sz="1800" dirty="0">
+                <a:solidFill>
+                  <a:schemeClr val="tx1"/>
+                </a:solidFill>
+              </a:rPr>
+              <a:t> </a:t>
+            </a:r>
+            <a:r>
+              <a:rPr lang="en-ID" sz="1800" dirty="0" err="1">
+                <a:solidFill>
+                  <a:schemeClr val="tx1"/>
+                </a:solidFill>
+              </a:rPr>
+              <a:t>pencatatan</a:t>
+            </a:r>
+            <a:r>
+              <a:rPr lang="en-ID" sz="1800" dirty="0">
+                <a:solidFill>
+                  <a:schemeClr val="tx1"/>
+                </a:solidFill>
+              </a:rPr>
+              <a:t> manual </a:t>
+            </a:r>
+            <a:r>
+              <a:rPr lang="en-ID" sz="1800" dirty="0" err="1">
+                <a:solidFill>
+                  <a:schemeClr val="tx1"/>
+                </a:solidFill>
+              </a:rPr>
+              <a:t>berbasis</a:t>
+            </a:r>
+            <a:r>
+              <a:rPr lang="en-ID" sz="1800" dirty="0">
+                <a:solidFill>
+                  <a:schemeClr val="tx1"/>
+                </a:solidFill>
+              </a:rPr>
+              <a:t> </a:t>
+            </a:r>
+            <a:r>
+              <a:rPr lang="en-ID" sz="1800" dirty="0" err="1">
+                <a:solidFill>
+                  <a:schemeClr val="tx1"/>
+                </a:solidFill>
+              </a:rPr>
+              <a:t>teknologi</a:t>
+            </a:r>
+            <a:r>
+              <a:rPr lang="en-ID" sz="1800" dirty="0">
+                <a:solidFill>
+                  <a:schemeClr val="tx1"/>
+                </a:solidFill>
+              </a:rPr>
+              <a:t> </a:t>
+            </a:r>
+            <a:r>
+              <a:rPr lang="en-ID" sz="1800" dirty="0" err="1">
+                <a:solidFill>
+                  <a:schemeClr val="tx1"/>
+                </a:solidFill>
+              </a:rPr>
+              <a:t>ini</a:t>
+            </a:r>
+            <a:r>
+              <a:rPr lang="en-ID" sz="1800" dirty="0">
+                <a:solidFill>
+                  <a:schemeClr val="tx1"/>
+                </a:solidFill>
+              </a:rPr>
+              <a:t> </a:t>
+            </a:r>
+            <a:r>
+              <a:rPr lang="en-ID" sz="1800" dirty="0" err="1">
+                <a:solidFill>
+                  <a:schemeClr val="tx1"/>
+                </a:solidFill>
+              </a:rPr>
+              <a:t>dirancang</a:t>
+            </a:r>
+            <a:r>
+              <a:rPr lang="en-ID" sz="1800" dirty="0">
+                <a:solidFill>
+                  <a:schemeClr val="tx1"/>
+                </a:solidFill>
+              </a:rPr>
+              <a:t> </a:t>
+            </a:r>
+            <a:r>
+              <a:rPr lang="en-ID" sz="1800" dirty="0" err="1">
+                <a:solidFill>
+                  <a:schemeClr val="tx1"/>
+                </a:solidFill>
+              </a:rPr>
+              <a:t>untuk</a:t>
+            </a:r>
+            <a:r>
+              <a:rPr lang="en-ID" sz="1800" dirty="0">
+                <a:solidFill>
+                  <a:schemeClr val="tx1"/>
+                </a:solidFill>
+              </a:rPr>
+              <a:t> </a:t>
+            </a:r>
+            <a:r>
+              <a:rPr lang="en-ID" sz="1800" dirty="0" err="1">
+                <a:solidFill>
+                  <a:schemeClr val="tx1"/>
+                </a:solidFill>
+              </a:rPr>
+              <a:t>membantu</a:t>
+            </a:r>
+            <a:r>
+              <a:rPr lang="en-ID" sz="1800" dirty="0">
+                <a:solidFill>
+                  <a:schemeClr val="tx1"/>
+                </a:solidFill>
+              </a:rPr>
+              <a:t> </a:t>
+            </a:r>
+            <a:r>
+              <a:rPr lang="en-ID" sz="1800" dirty="0" err="1">
+                <a:solidFill>
+                  <a:schemeClr val="tx1"/>
+                </a:solidFill>
+              </a:rPr>
+              <a:t>kegiatan</a:t>
+            </a:r>
+            <a:r>
+              <a:rPr lang="en-ID" sz="1800" dirty="0">
+                <a:solidFill>
+                  <a:schemeClr val="tx1"/>
+                </a:solidFill>
+              </a:rPr>
+              <a:t> </a:t>
+            </a:r>
+            <a:r>
+              <a:rPr lang="en-ID" sz="1800" dirty="0" err="1">
+                <a:solidFill>
+                  <a:schemeClr val="tx1"/>
+                </a:solidFill>
+              </a:rPr>
+              <a:t>operasional</a:t>
+            </a:r>
+            <a:r>
+              <a:rPr lang="en-ID" sz="1800" dirty="0">
+                <a:solidFill>
+                  <a:schemeClr val="tx1"/>
+                </a:solidFill>
+              </a:rPr>
+              <a:t> </a:t>
+            </a:r>
+            <a:r>
+              <a:rPr lang="en-ID" sz="1800" dirty="0" err="1">
+                <a:solidFill>
+                  <a:schemeClr val="tx1"/>
+                </a:solidFill>
+              </a:rPr>
+              <a:t>perbankan</a:t>
+            </a:r>
+            <a:r>
+              <a:rPr lang="en-ID" sz="1800" dirty="0">
+                <a:solidFill>
+                  <a:schemeClr val="tx1"/>
+                </a:solidFill>
+              </a:rPr>
+              <a:t>, </a:t>
+            </a:r>
+            <a:r>
+              <a:rPr lang="en-ID" sz="1800" dirty="0" err="1">
+                <a:solidFill>
+                  <a:schemeClr val="tx1"/>
+                </a:solidFill>
+              </a:rPr>
+              <a:t>khususnya</a:t>
+            </a:r>
+            <a:r>
+              <a:rPr lang="en-ID" sz="1800" dirty="0">
+                <a:solidFill>
+                  <a:schemeClr val="tx1"/>
+                </a:solidFill>
+              </a:rPr>
+              <a:t> </a:t>
+            </a:r>
+            <a:r>
+              <a:rPr lang="en-ID" sz="1800" dirty="0" err="1">
+                <a:solidFill>
+                  <a:schemeClr val="tx1"/>
+                </a:solidFill>
+              </a:rPr>
+              <a:t>dalam</a:t>
+            </a:r>
+            <a:r>
+              <a:rPr lang="en-ID" sz="1800" dirty="0">
+                <a:solidFill>
+                  <a:schemeClr val="tx1"/>
+                </a:solidFill>
+              </a:rPr>
+              <a:t> </a:t>
+            </a:r>
+            <a:r>
+              <a:rPr lang="en-ID" sz="1800" dirty="0" err="1">
+                <a:solidFill>
+                  <a:schemeClr val="tx1"/>
+                </a:solidFill>
+              </a:rPr>
+              <a:t>mencatat</a:t>
+            </a:r>
+            <a:r>
+              <a:rPr lang="en-ID" sz="1800" dirty="0">
+                <a:solidFill>
+                  <a:schemeClr val="tx1"/>
+                </a:solidFill>
+              </a:rPr>
+              <a:t> </a:t>
+            </a:r>
+            <a:r>
+              <a:rPr lang="en-ID" sz="1800" dirty="0" err="1">
+                <a:solidFill>
+                  <a:schemeClr val="tx1"/>
+                </a:solidFill>
+              </a:rPr>
+              <a:t>transaksi</a:t>
+            </a:r>
+            <a:r>
+              <a:rPr lang="en-ID" sz="1800" dirty="0">
+                <a:solidFill>
+                  <a:schemeClr val="tx1"/>
+                </a:solidFill>
+              </a:rPr>
+              <a:t> </a:t>
+            </a:r>
+            <a:r>
+              <a:rPr lang="en-ID" sz="1800" dirty="0" err="1">
+                <a:solidFill>
+                  <a:schemeClr val="tx1"/>
+                </a:solidFill>
+              </a:rPr>
+              <a:t>tabungan</a:t>
+            </a:r>
+            <a:r>
+              <a:rPr lang="en-ID" sz="1800" dirty="0">
+                <a:solidFill>
+                  <a:schemeClr val="tx1"/>
+                </a:solidFill>
+              </a:rPr>
+              <a:t>, </a:t>
+            </a:r>
+            <a:r>
+              <a:rPr lang="en-ID" sz="1800" dirty="0" err="1">
+                <a:solidFill>
+                  <a:schemeClr val="tx1"/>
+                </a:solidFill>
+              </a:rPr>
+              <a:t>setoran</a:t>
+            </a:r>
+            <a:r>
+              <a:rPr lang="en-ID" sz="1800" dirty="0">
+                <a:solidFill>
+                  <a:schemeClr val="tx1"/>
+                </a:solidFill>
+              </a:rPr>
+              <a:t>, </a:t>
+            </a:r>
+            <a:r>
+              <a:rPr lang="en-ID" sz="1800" dirty="0" err="1">
+                <a:solidFill>
+                  <a:schemeClr val="tx1"/>
+                </a:solidFill>
+              </a:rPr>
+              <a:t>penarikan</a:t>
+            </a:r>
+            <a:r>
+              <a:rPr lang="en-ID" sz="1800" dirty="0">
+                <a:solidFill>
+                  <a:schemeClr val="tx1"/>
+                </a:solidFill>
+              </a:rPr>
+              <a:t>, </a:t>
+            </a:r>
+            <a:r>
+              <a:rPr lang="en-ID" sz="1800" dirty="0" err="1">
+                <a:solidFill>
+                  <a:schemeClr val="tx1"/>
+                </a:solidFill>
+              </a:rPr>
+              <a:t>serta</a:t>
+            </a:r>
+            <a:r>
+              <a:rPr lang="en-ID" sz="1800" dirty="0">
+                <a:solidFill>
+                  <a:schemeClr val="tx1"/>
+                </a:solidFill>
+              </a:rPr>
+              <a:t> </a:t>
+            </a:r>
+            <a:r>
+              <a:rPr lang="en-ID" sz="1800" dirty="0" err="1">
+                <a:solidFill>
+                  <a:schemeClr val="tx1"/>
+                </a:solidFill>
+              </a:rPr>
+              <a:t>pendaftaran</a:t>
+            </a:r>
+            <a:r>
+              <a:rPr lang="en-ID" sz="1800" dirty="0">
+                <a:solidFill>
+                  <a:schemeClr val="tx1"/>
+                </a:solidFill>
+              </a:rPr>
+              <a:t> </a:t>
+            </a:r>
+            <a:r>
+              <a:rPr lang="en-ID" sz="1800" dirty="0" err="1">
+                <a:solidFill>
+                  <a:schemeClr val="tx1"/>
+                </a:solidFill>
+              </a:rPr>
+              <a:t>nasabah</a:t>
+            </a:r>
+            <a:r>
+              <a:rPr lang="en-ID" sz="1800" dirty="0">
+                <a:solidFill>
+                  <a:schemeClr val="tx1"/>
+                </a:solidFill>
+              </a:rPr>
+              <a:t>. </a:t>
+            </a:r>
+            <a:r>
+              <a:rPr lang="en-ID" sz="1800" dirty="0" err="1">
+                <a:solidFill>
+                  <a:schemeClr val="tx1"/>
+                </a:solidFill>
+              </a:rPr>
+              <a:t>Meskipun</a:t>
+            </a:r>
+            <a:r>
+              <a:rPr lang="en-ID" sz="1800" dirty="0">
+                <a:solidFill>
+                  <a:schemeClr val="tx1"/>
+                </a:solidFill>
+              </a:rPr>
+              <a:t> </a:t>
+            </a:r>
+            <a:r>
+              <a:rPr lang="en-ID" sz="1800" dirty="0" err="1">
+                <a:solidFill>
+                  <a:schemeClr val="tx1"/>
+                </a:solidFill>
+              </a:rPr>
+              <a:t>tidak</a:t>
+            </a:r>
+            <a:r>
+              <a:rPr lang="en-ID" sz="1800" dirty="0">
+                <a:solidFill>
+                  <a:schemeClr val="tx1"/>
+                </a:solidFill>
+              </a:rPr>
+              <a:t> </a:t>
+            </a:r>
+            <a:r>
+              <a:rPr lang="en-ID" sz="1800" dirty="0" err="1">
+                <a:solidFill>
+                  <a:schemeClr val="tx1"/>
+                </a:solidFill>
+              </a:rPr>
+              <a:t>berbasis</a:t>
+            </a:r>
+            <a:r>
+              <a:rPr lang="en-ID" sz="1800" dirty="0">
+                <a:solidFill>
+                  <a:schemeClr val="tx1"/>
+                </a:solidFill>
+              </a:rPr>
+              <a:t> online </a:t>
+            </a:r>
+            <a:r>
+              <a:rPr lang="en-ID" sz="1800" dirty="0" err="1">
+                <a:solidFill>
+                  <a:schemeClr val="tx1"/>
+                </a:solidFill>
+              </a:rPr>
+              <a:t>atau</a:t>
+            </a:r>
+            <a:r>
+              <a:rPr lang="en-ID" sz="1800" dirty="0">
+                <a:solidFill>
+                  <a:schemeClr val="tx1"/>
+                </a:solidFill>
+              </a:rPr>
+              <a:t> </a:t>
+            </a:r>
+            <a:r>
+              <a:rPr lang="en-ID" sz="1800" dirty="0" err="1">
+                <a:solidFill>
+                  <a:schemeClr val="tx1"/>
+                </a:solidFill>
+              </a:rPr>
+              <a:t>terhubung</a:t>
+            </a:r>
+            <a:r>
+              <a:rPr lang="en-ID" sz="1800" dirty="0">
+                <a:solidFill>
+                  <a:schemeClr val="tx1"/>
+                </a:solidFill>
+              </a:rPr>
+              <a:t> </a:t>
+            </a:r>
+            <a:r>
+              <a:rPr lang="en-ID" sz="1800" dirty="0" err="1">
+                <a:solidFill>
+                  <a:schemeClr val="tx1"/>
+                </a:solidFill>
+              </a:rPr>
+              <a:t>ke</a:t>
+            </a:r>
+            <a:r>
+              <a:rPr lang="en-ID" sz="1800" dirty="0">
+                <a:solidFill>
+                  <a:schemeClr val="tx1"/>
+                </a:solidFill>
+              </a:rPr>
+              <a:t> </a:t>
+            </a:r>
+            <a:r>
+              <a:rPr lang="en-ID" sz="1800" dirty="0" err="1">
+                <a:solidFill>
+                  <a:schemeClr val="tx1"/>
+                </a:solidFill>
+              </a:rPr>
+              <a:t>jaringan</a:t>
+            </a:r>
+            <a:r>
+              <a:rPr lang="en-ID" sz="1800" dirty="0">
+                <a:solidFill>
+                  <a:schemeClr val="tx1"/>
+                </a:solidFill>
+              </a:rPr>
+              <a:t>, </a:t>
+            </a:r>
+            <a:r>
+              <a:rPr lang="en-ID" sz="1800" dirty="0" err="1">
+                <a:solidFill>
+                  <a:schemeClr val="tx1"/>
+                </a:solidFill>
+              </a:rPr>
+              <a:t>sistem</a:t>
+            </a:r>
+            <a:r>
+              <a:rPr lang="en-ID" sz="1800" dirty="0">
+                <a:solidFill>
+                  <a:schemeClr val="tx1"/>
+                </a:solidFill>
+              </a:rPr>
+              <a:t> </a:t>
+            </a:r>
+            <a:r>
+              <a:rPr lang="en-ID" sz="1800" dirty="0" err="1">
+                <a:solidFill>
+                  <a:schemeClr val="tx1"/>
+                </a:solidFill>
+              </a:rPr>
+              <a:t>ini</a:t>
+            </a:r>
+            <a:r>
+              <a:rPr lang="en-ID" sz="1800" dirty="0">
+                <a:solidFill>
+                  <a:schemeClr val="tx1"/>
+                </a:solidFill>
+              </a:rPr>
+              <a:t> </a:t>
+            </a:r>
+            <a:r>
+              <a:rPr lang="en-ID" sz="1800" dirty="0" err="1">
+                <a:solidFill>
+                  <a:schemeClr val="tx1"/>
+                </a:solidFill>
+              </a:rPr>
+              <a:t>tetap</a:t>
+            </a:r>
+            <a:r>
+              <a:rPr lang="en-ID" sz="1800" dirty="0">
+                <a:solidFill>
+                  <a:schemeClr val="tx1"/>
+                </a:solidFill>
+              </a:rPr>
+              <a:t> </a:t>
+            </a:r>
+            <a:r>
+              <a:rPr lang="en-ID" sz="1800" dirty="0" err="1">
+                <a:solidFill>
+                  <a:schemeClr val="tx1"/>
+                </a:solidFill>
+              </a:rPr>
+              <a:t>memberikan</a:t>
+            </a:r>
+            <a:r>
+              <a:rPr lang="en-ID" sz="1800" dirty="0">
+                <a:solidFill>
+                  <a:schemeClr val="tx1"/>
+                </a:solidFill>
+              </a:rPr>
+              <a:t> </a:t>
+            </a:r>
+            <a:r>
+              <a:rPr lang="en-ID" sz="1800" dirty="0" err="1">
+                <a:solidFill>
+                  <a:schemeClr val="tx1"/>
+                </a:solidFill>
+              </a:rPr>
+              <a:t>peningkatan</a:t>
+            </a:r>
+            <a:r>
+              <a:rPr lang="en-ID" sz="1800" dirty="0">
+                <a:solidFill>
+                  <a:schemeClr val="tx1"/>
+                </a:solidFill>
+              </a:rPr>
+              <a:t> </a:t>
+            </a:r>
+            <a:r>
+              <a:rPr lang="en-ID" sz="1800" dirty="0" err="1">
+                <a:solidFill>
+                  <a:schemeClr val="tx1"/>
+                </a:solidFill>
+              </a:rPr>
+              <a:t>efisiensi</a:t>
+            </a:r>
+            <a:r>
+              <a:rPr lang="en-ID" sz="1800" dirty="0">
+                <a:solidFill>
+                  <a:schemeClr val="tx1"/>
+                </a:solidFill>
+              </a:rPr>
+              <a:t> dan </a:t>
+            </a:r>
+            <a:r>
+              <a:rPr lang="en-ID" sz="1800" dirty="0" err="1">
+                <a:solidFill>
+                  <a:schemeClr val="tx1"/>
+                </a:solidFill>
+              </a:rPr>
+              <a:t>akurasi</a:t>
+            </a:r>
+            <a:r>
+              <a:rPr lang="en-ID" sz="1800" dirty="0">
+                <a:solidFill>
+                  <a:schemeClr val="tx1"/>
+                </a:solidFill>
+              </a:rPr>
+              <a:t> </a:t>
+            </a:r>
+            <a:r>
+              <a:rPr lang="en-ID" sz="1800" dirty="0" err="1">
+                <a:solidFill>
+                  <a:schemeClr val="tx1"/>
+                </a:solidFill>
+              </a:rPr>
+              <a:t>dibandingkan</a:t>
+            </a:r>
+            <a:r>
+              <a:rPr lang="en-ID" sz="1800" dirty="0">
+                <a:solidFill>
+                  <a:schemeClr val="tx1"/>
+                </a:solidFill>
+              </a:rPr>
+              <a:t> </a:t>
+            </a:r>
+            <a:r>
+              <a:rPr lang="en-ID" sz="1800" dirty="0" err="1">
+                <a:solidFill>
+                  <a:schemeClr val="tx1"/>
+                </a:solidFill>
+              </a:rPr>
+              <a:t>metode</a:t>
+            </a:r>
+            <a:r>
+              <a:rPr lang="en-ID" sz="1800" dirty="0">
+                <a:solidFill>
+                  <a:schemeClr val="tx1"/>
+                </a:solidFill>
+              </a:rPr>
+              <a:t> </a:t>
+            </a:r>
+            <a:r>
+              <a:rPr lang="en-ID" sz="1800" dirty="0" err="1">
+                <a:solidFill>
+                  <a:schemeClr val="tx1"/>
+                </a:solidFill>
+              </a:rPr>
+              <a:t>pencatatan</a:t>
+            </a:r>
+            <a:r>
+              <a:rPr lang="en-ID" sz="1800" dirty="0">
+                <a:solidFill>
+                  <a:schemeClr val="tx1"/>
+                </a:solidFill>
+              </a:rPr>
+              <a:t> </a:t>
+            </a:r>
+            <a:r>
+              <a:rPr lang="en-ID" sz="1800" dirty="0" err="1">
+                <a:solidFill>
+                  <a:schemeClr val="tx1"/>
+                </a:solidFill>
+              </a:rPr>
+              <a:t>konvensional</a:t>
+            </a:r>
+            <a:r>
+              <a:rPr lang="en-ID" sz="1800" dirty="0">
+                <a:solidFill>
+                  <a:schemeClr val="tx1"/>
+                </a:solidFill>
+              </a:rPr>
+              <a:t> </a:t>
+            </a:r>
+            <a:r>
+              <a:rPr lang="en-ID" sz="1800" dirty="0" err="1">
+                <a:solidFill>
+                  <a:schemeClr val="tx1"/>
+                </a:solidFill>
+              </a:rPr>
+              <a:t>menggunakan</a:t>
+            </a:r>
+            <a:r>
+              <a:rPr lang="en-ID" sz="1800" dirty="0">
+                <a:solidFill>
+                  <a:schemeClr val="tx1"/>
+                </a:solidFill>
+              </a:rPr>
+              <a:t> </a:t>
+            </a:r>
+            <a:r>
+              <a:rPr lang="en-ID" sz="1800" dirty="0" err="1">
+                <a:solidFill>
+                  <a:schemeClr val="tx1"/>
+                </a:solidFill>
+              </a:rPr>
+              <a:t>buku</a:t>
+            </a:r>
+            <a:r>
+              <a:rPr lang="en-ID" sz="1800" dirty="0">
+                <a:solidFill>
+                  <a:schemeClr val="tx1"/>
+                </a:solidFill>
+              </a:rPr>
+              <a:t> </a:t>
+            </a:r>
+            <a:r>
+              <a:rPr lang="en-ID" sz="1800" dirty="0" err="1">
+                <a:solidFill>
+                  <a:schemeClr val="tx1"/>
+                </a:solidFill>
+              </a:rPr>
+              <a:t>tulis</a:t>
+            </a:r>
+            <a:r>
+              <a:rPr lang="en-ID" sz="1800" dirty="0">
+                <a:solidFill>
+                  <a:schemeClr val="tx1"/>
+                </a:solidFill>
+              </a:rPr>
+              <a:t> </a:t>
+            </a:r>
+            <a:r>
+              <a:rPr lang="en-ID" sz="1800" dirty="0" err="1">
+                <a:solidFill>
+                  <a:schemeClr val="tx1"/>
+                </a:solidFill>
+              </a:rPr>
+              <a:t>atau</a:t>
+            </a:r>
+            <a:r>
+              <a:rPr lang="en-ID" sz="1800" dirty="0">
+                <a:solidFill>
+                  <a:schemeClr val="tx1"/>
+                </a:solidFill>
+              </a:rPr>
+              <a:t> </a:t>
+            </a:r>
+            <a:r>
+              <a:rPr lang="en-ID" sz="1800" dirty="0" err="1">
+                <a:solidFill>
+                  <a:schemeClr val="tx1"/>
+                </a:solidFill>
+              </a:rPr>
+              <a:t>dokumen</a:t>
+            </a:r>
+            <a:r>
+              <a:rPr lang="en-ID" sz="1800" dirty="0">
+                <a:solidFill>
+                  <a:schemeClr val="tx1"/>
+                </a:solidFill>
+              </a:rPr>
+              <a:t> </a:t>
+            </a:r>
+            <a:r>
+              <a:rPr lang="en-ID" sz="1800" dirty="0" err="1">
+                <a:solidFill>
+                  <a:schemeClr val="tx1"/>
+                </a:solidFill>
+              </a:rPr>
+              <a:t>kertas</a:t>
+            </a:r>
+            <a:r>
+              <a:rPr lang="en-ID" sz="1800" dirty="0">
+                <a:solidFill>
+                  <a:schemeClr val="tx1"/>
+                </a:solidFill>
+              </a:rPr>
+              <a:t>.</a:t>
+            </a:r>
+            <a:br>
+              <a:rPr lang="en-ID" sz="2000" dirty="0">
+                <a:solidFill>
+                  <a:schemeClr val="tx1"/>
+                </a:solidFill>
+              </a:rPr>
+            </a:br>
+            <a:br>
+              <a:rPr lang="en-ID" sz="2000" dirty="0">
+                <a:solidFill>
+                  <a:schemeClr val="tx1"/>
+                </a:solidFill>
+              </a:rPr>
+            </a:br>
+            <a:endParaRPr lang="en-ID" sz="2000" dirty="0">
+              <a:solidFill>
+                <a:schemeClr val="tx1"/>
+              </a:solidFill>
+            </a:endParaRPr>
+          </a:p>
+        </p:txBody>
+      </p:sp>
+      <p:sp>
+        <p:nvSpPr>
+          <p:cNvPr id="4" name="Title 1">
+            <a:extLst>
+              <a:ext uri="{FF2B5EF4-FFF2-40B4-BE49-F238E27FC236}">
+                <a16:creationId xmlns:a16="http://schemas.microsoft.com/office/drawing/2014/main" id="{DB890FF6-025E-9C6B-FA07-E6A9F1FC0FD1}"/>
+              </a:ext>
+            </a:extLst>
+          </p:cNvPr>
+          <p:cNvSpPr txBox="1">
+            <a:spLocks/>
+          </p:cNvSpPr>
+          <p:nvPr/>
+        </p:nvSpPr>
+        <p:spPr>
+          <a:xfrm>
+            <a:off x="677334" y="609600"/>
+            <a:ext cx="8596668" cy="871282"/>
+          </a:xfrm>
+          <a:prstGeom prst="rect">
+            <a:avLst/>
+          </a:prstGeom>
+        </p:spPr>
+        <p:txBody>
+          <a:bodyPr vert="horz" lIns="91440" tIns="45720" rIns="91440" bIns="45720" rtlCol="0" anchor="t">
+            <a:normAutofit/>
+          </a:bodyPr>
+          <a:lstStyle>
+            <a:lvl1pPr algn="l" defTabSz="457200" rtl="0" eaLnBrk="1" latinLnBrk="0" hangingPunct="1">
+              <a:spcBef>
+                <a:spcPct val="0"/>
+              </a:spcBef>
+              <a:buNone/>
+              <a:defRPr sz="3600" kern="1200">
+                <a:solidFill>
+                  <a:schemeClr val="accent1"/>
+                </a:solidFill>
+                <a:latin typeface="+mj-lt"/>
+                <a:ea typeface="+mj-ea"/>
+                <a:cs typeface="+mj-cs"/>
+              </a:defRPr>
+            </a:lvl1pPr>
+            <a:lvl2pPr eaLnBrk="1" hangingPunct="1">
+              <a:defRPr>
+                <a:solidFill>
+                  <a:schemeClr val="tx2"/>
+                </a:solidFill>
+              </a:defRPr>
+            </a:lvl2pPr>
+            <a:lvl3pPr eaLnBrk="1" hangingPunct="1">
+              <a:defRPr>
+                <a:solidFill>
+                  <a:schemeClr val="tx2"/>
+                </a:solidFill>
+              </a:defRPr>
+            </a:lvl3pPr>
+            <a:lvl4pPr eaLnBrk="1" hangingPunct="1">
+              <a:defRPr>
+                <a:solidFill>
+                  <a:schemeClr val="tx2"/>
+                </a:solidFill>
+              </a:defRPr>
+            </a:lvl4pPr>
+            <a:lvl5pPr eaLnBrk="1" hangingPunct="1">
+              <a:defRPr>
+                <a:solidFill>
+                  <a:schemeClr val="tx2"/>
+                </a:solidFill>
+              </a:defRPr>
+            </a:lvl5pPr>
+            <a:lvl6pPr eaLnBrk="1" hangingPunct="1">
+              <a:defRPr>
+                <a:solidFill>
+                  <a:schemeClr val="tx2"/>
+                </a:solidFill>
+              </a:defRPr>
+            </a:lvl6pPr>
+            <a:lvl7pPr eaLnBrk="1" hangingPunct="1">
+              <a:defRPr>
+                <a:solidFill>
+                  <a:schemeClr val="tx2"/>
+                </a:solidFill>
+              </a:defRPr>
+            </a:lvl7pPr>
+            <a:lvl8pPr eaLnBrk="1" hangingPunct="1">
+              <a:defRPr>
+                <a:solidFill>
+                  <a:schemeClr val="tx2"/>
+                </a:solidFill>
+              </a:defRPr>
+            </a:lvl8pPr>
+            <a:lvl9pPr eaLnBrk="1" hangingPunct="1">
+              <a:defRPr>
+                <a:solidFill>
+                  <a:schemeClr val="tx2"/>
+                </a:solidFill>
+              </a:defRPr>
+            </a:lvl9pPr>
+          </a:lstStyle>
+          <a:p>
+            <a:pPr algn="ctr"/>
+            <a:r>
+              <a:rPr lang="en-US" b="1" dirty="0">
+                <a:solidFill>
+                  <a:schemeClr val="tx1"/>
+                </a:solidFill>
+              </a:rPr>
+              <a:t>KESIMPULAN</a:t>
+            </a:r>
+            <a:endParaRPr lang="en-ID" b="1" dirty="0">
+              <a:solidFill>
+                <a:schemeClr val="tx1"/>
+              </a:solidFill>
+            </a:endParaRPr>
+          </a:p>
+        </p:txBody>
+      </p:sp>
+      <p:sp>
+        <p:nvSpPr>
+          <p:cNvPr id="5" name="Title 1">
+            <a:extLst>
+              <a:ext uri="{FF2B5EF4-FFF2-40B4-BE49-F238E27FC236}">
+                <a16:creationId xmlns:a16="http://schemas.microsoft.com/office/drawing/2014/main" id="{982D440A-5E81-D8D4-4F3A-6710A1F299B2}"/>
+              </a:ext>
+            </a:extLst>
+          </p:cNvPr>
+          <p:cNvSpPr txBox="1">
+            <a:spLocks/>
+          </p:cNvSpPr>
+          <p:nvPr/>
+        </p:nvSpPr>
+        <p:spPr>
+          <a:xfrm>
+            <a:off x="829734" y="3496283"/>
+            <a:ext cx="8596668" cy="709968"/>
+          </a:xfrm>
+          <a:prstGeom prst="rect">
+            <a:avLst/>
+          </a:prstGeom>
+        </p:spPr>
+        <p:txBody>
+          <a:bodyPr vert="horz" lIns="91440" tIns="45720" rIns="91440" bIns="45720" rtlCol="0" anchor="t">
+            <a:normAutofit/>
+          </a:bodyPr>
+          <a:lstStyle>
+            <a:lvl1pPr algn="l" defTabSz="457200" rtl="0" eaLnBrk="1" latinLnBrk="0" hangingPunct="1">
+              <a:spcBef>
+                <a:spcPct val="0"/>
+              </a:spcBef>
+              <a:buNone/>
+              <a:defRPr sz="3600" kern="1200">
+                <a:solidFill>
+                  <a:schemeClr val="accent1"/>
+                </a:solidFill>
+                <a:latin typeface="+mj-lt"/>
+                <a:ea typeface="+mj-ea"/>
+                <a:cs typeface="+mj-cs"/>
+              </a:defRPr>
+            </a:lvl1pPr>
+            <a:lvl2pPr eaLnBrk="1" hangingPunct="1">
+              <a:defRPr>
+                <a:solidFill>
+                  <a:schemeClr val="tx2"/>
+                </a:solidFill>
+              </a:defRPr>
+            </a:lvl2pPr>
+            <a:lvl3pPr eaLnBrk="1" hangingPunct="1">
+              <a:defRPr>
+                <a:solidFill>
+                  <a:schemeClr val="tx2"/>
+                </a:solidFill>
+              </a:defRPr>
+            </a:lvl3pPr>
+            <a:lvl4pPr eaLnBrk="1" hangingPunct="1">
+              <a:defRPr>
+                <a:solidFill>
+                  <a:schemeClr val="tx2"/>
+                </a:solidFill>
+              </a:defRPr>
+            </a:lvl4pPr>
+            <a:lvl5pPr eaLnBrk="1" hangingPunct="1">
+              <a:defRPr>
+                <a:solidFill>
+                  <a:schemeClr val="tx2"/>
+                </a:solidFill>
+              </a:defRPr>
+            </a:lvl5pPr>
+            <a:lvl6pPr eaLnBrk="1" hangingPunct="1">
+              <a:defRPr>
+                <a:solidFill>
+                  <a:schemeClr val="tx2"/>
+                </a:solidFill>
+              </a:defRPr>
+            </a:lvl6pPr>
+            <a:lvl7pPr eaLnBrk="1" hangingPunct="1">
+              <a:defRPr>
+                <a:solidFill>
+                  <a:schemeClr val="tx2"/>
+                </a:solidFill>
+              </a:defRPr>
+            </a:lvl7pPr>
+            <a:lvl8pPr eaLnBrk="1" hangingPunct="1">
+              <a:defRPr>
+                <a:solidFill>
+                  <a:schemeClr val="tx2"/>
+                </a:solidFill>
+              </a:defRPr>
+            </a:lvl8pPr>
+            <a:lvl9pPr eaLnBrk="1" hangingPunct="1">
+              <a:defRPr>
+                <a:solidFill>
+                  <a:schemeClr val="tx2"/>
+                </a:solidFill>
+              </a:defRPr>
+            </a:lvl9pPr>
+          </a:lstStyle>
+          <a:p>
+            <a:pPr algn="ctr"/>
+            <a:r>
+              <a:rPr lang="en-ID" b="1" dirty="0" err="1">
+                <a:solidFill>
+                  <a:schemeClr val="tx1"/>
+                </a:solidFill>
+              </a:rPr>
+              <a:t>Rencana</a:t>
+            </a:r>
+            <a:r>
+              <a:rPr lang="en-ID" b="1" dirty="0">
+                <a:solidFill>
+                  <a:schemeClr val="tx1"/>
+                </a:solidFill>
+              </a:rPr>
+              <a:t> </a:t>
+            </a:r>
+            <a:r>
+              <a:rPr lang="en-ID" b="1" dirty="0" err="1">
+                <a:solidFill>
+                  <a:schemeClr val="tx1"/>
+                </a:solidFill>
+              </a:rPr>
+              <a:t>Pengembangan</a:t>
+            </a:r>
+            <a:r>
+              <a:rPr lang="en-ID" b="1" dirty="0">
+                <a:solidFill>
+                  <a:schemeClr val="tx1"/>
+                </a:solidFill>
+              </a:rPr>
+              <a:t> </a:t>
+            </a:r>
+            <a:r>
+              <a:rPr lang="en-ID" b="1" dirty="0" err="1">
+                <a:solidFill>
+                  <a:schemeClr val="tx1"/>
+                </a:solidFill>
+              </a:rPr>
+              <a:t>Sistem</a:t>
+            </a:r>
+            <a:endParaRPr lang="en-ID" b="1" dirty="0">
+              <a:solidFill>
+                <a:schemeClr val="tx1"/>
+              </a:solidFill>
+            </a:endParaRPr>
+          </a:p>
+        </p:txBody>
+      </p:sp>
+      <p:sp>
+        <p:nvSpPr>
+          <p:cNvPr id="6" name="Title 1">
+            <a:extLst>
+              <a:ext uri="{FF2B5EF4-FFF2-40B4-BE49-F238E27FC236}">
+                <a16:creationId xmlns:a16="http://schemas.microsoft.com/office/drawing/2014/main" id="{8C4DBCDF-0844-DFA4-336C-552D77B47399}"/>
+              </a:ext>
+            </a:extLst>
+          </p:cNvPr>
+          <p:cNvSpPr txBox="1">
+            <a:spLocks/>
+          </p:cNvSpPr>
+          <p:nvPr/>
+        </p:nvSpPr>
+        <p:spPr>
+          <a:xfrm>
+            <a:off x="910023" y="4273146"/>
+            <a:ext cx="8596668" cy="1691259"/>
+          </a:xfrm>
+          <a:prstGeom prst="rect">
+            <a:avLst/>
+          </a:prstGeom>
+        </p:spPr>
+        <p:txBody>
+          <a:bodyPr vert="horz" lIns="91440" tIns="45720" rIns="91440" bIns="45720" rtlCol="0" anchor="t">
+            <a:noAutofit/>
+          </a:bodyPr>
+          <a:lstStyle>
+            <a:lvl1pPr algn="l" defTabSz="457200" rtl="0" eaLnBrk="1" latinLnBrk="0" hangingPunct="1">
+              <a:spcBef>
+                <a:spcPct val="0"/>
+              </a:spcBef>
+              <a:buNone/>
+              <a:defRPr sz="3600" kern="1200">
+                <a:solidFill>
+                  <a:schemeClr val="accent1"/>
+                </a:solidFill>
+                <a:latin typeface="+mj-lt"/>
+                <a:ea typeface="+mj-ea"/>
+                <a:cs typeface="+mj-cs"/>
+              </a:defRPr>
+            </a:lvl1pPr>
+            <a:lvl2pPr eaLnBrk="1" hangingPunct="1">
+              <a:defRPr>
+                <a:solidFill>
+                  <a:schemeClr val="tx2"/>
+                </a:solidFill>
+              </a:defRPr>
+            </a:lvl2pPr>
+            <a:lvl3pPr eaLnBrk="1" hangingPunct="1">
+              <a:defRPr>
+                <a:solidFill>
+                  <a:schemeClr val="tx2"/>
+                </a:solidFill>
+              </a:defRPr>
+            </a:lvl3pPr>
+            <a:lvl4pPr eaLnBrk="1" hangingPunct="1">
+              <a:defRPr>
+                <a:solidFill>
+                  <a:schemeClr val="tx2"/>
+                </a:solidFill>
+              </a:defRPr>
+            </a:lvl4pPr>
+            <a:lvl5pPr eaLnBrk="1" hangingPunct="1">
+              <a:defRPr>
+                <a:solidFill>
+                  <a:schemeClr val="tx2"/>
+                </a:solidFill>
+              </a:defRPr>
+            </a:lvl5pPr>
+            <a:lvl6pPr eaLnBrk="1" hangingPunct="1">
+              <a:defRPr>
+                <a:solidFill>
+                  <a:schemeClr val="tx2"/>
+                </a:solidFill>
+              </a:defRPr>
+            </a:lvl6pPr>
+            <a:lvl7pPr eaLnBrk="1" hangingPunct="1">
+              <a:defRPr>
+                <a:solidFill>
+                  <a:schemeClr val="tx2"/>
+                </a:solidFill>
+              </a:defRPr>
+            </a:lvl7pPr>
+            <a:lvl8pPr eaLnBrk="1" hangingPunct="1">
+              <a:defRPr>
+                <a:solidFill>
+                  <a:schemeClr val="tx2"/>
+                </a:solidFill>
+              </a:defRPr>
+            </a:lvl8pPr>
+            <a:lvl9pPr eaLnBrk="1" hangingPunct="1">
+              <a:defRPr>
+                <a:solidFill>
+                  <a:schemeClr val="tx2"/>
+                </a:solidFill>
+              </a:defRPr>
+            </a:lvl9pPr>
+          </a:lstStyle>
+          <a:p>
+            <a:pPr>
+              <a:buNone/>
+            </a:pPr>
+            <a:r>
+              <a:rPr lang="en-ID" sz="1400" b="1" dirty="0" err="1">
+                <a:solidFill>
+                  <a:schemeClr val="tx1"/>
+                </a:solidFill>
+              </a:rPr>
+              <a:t>Penambahan</a:t>
+            </a:r>
+            <a:r>
+              <a:rPr lang="en-ID" sz="1400" b="1" dirty="0">
+                <a:solidFill>
+                  <a:schemeClr val="tx1"/>
+                </a:solidFill>
+              </a:rPr>
+              <a:t> </a:t>
+            </a:r>
+            <a:r>
+              <a:rPr lang="en-ID" sz="1400" b="1" dirty="0" err="1">
+                <a:solidFill>
+                  <a:schemeClr val="tx1"/>
+                </a:solidFill>
+              </a:rPr>
+              <a:t>Otorisasi</a:t>
+            </a:r>
+            <a:r>
+              <a:rPr lang="en-ID" sz="1400" b="1" dirty="0">
+                <a:solidFill>
+                  <a:schemeClr val="tx1"/>
+                </a:solidFill>
+              </a:rPr>
+              <a:t> </a:t>
+            </a:r>
+            <a:r>
+              <a:rPr lang="en-ID" sz="1400" b="1" dirty="0" err="1">
+                <a:solidFill>
+                  <a:schemeClr val="tx1"/>
+                </a:solidFill>
+              </a:rPr>
+              <a:t>Pengguna</a:t>
+            </a:r>
+            <a:endParaRPr lang="en-ID" sz="1400" dirty="0">
+              <a:solidFill>
+                <a:schemeClr val="tx1"/>
+              </a:solidFill>
+            </a:endParaRPr>
+          </a:p>
+          <a:p>
+            <a:pPr>
+              <a:buFont typeface="Arial" panose="020B0604020202020204" pitchFamily="34" charset="0"/>
+              <a:buChar char="•"/>
+            </a:pPr>
+            <a:r>
+              <a:rPr lang="en-ID" sz="1400" dirty="0" err="1">
+                <a:solidFill>
+                  <a:schemeClr val="tx1"/>
+                </a:solidFill>
+              </a:rPr>
+              <a:t>Membuat</a:t>
+            </a:r>
+            <a:r>
+              <a:rPr lang="en-ID" sz="1400" dirty="0">
+                <a:solidFill>
+                  <a:schemeClr val="tx1"/>
+                </a:solidFill>
+              </a:rPr>
+              <a:t> </a:t>
+            </a:r>
+            <a:r>
+              <a:rPr lang="en-ID" sz="1400" dirty="0" err="1">
+                <a:solidFill>
+                  <a:schemeClr val="tx1"/>
+                </a:solidFill>
+              </a:rPr>
+              <a:t>sistem</a:t>
+            </a:r>
+            <a:r>
+              <a:rPr lang="en-ID" sz="1400" dirty="0">
+                <a:solidFill>
+                  <a:schemeClr val="tx1"/>
+                </a:solidFill>
+              </a:rPr>
+              <a:t> login </a:t>
+            </a:r>
+            <a:r>
+              <a:rPr lang="en-ID" sz="1400" dirty="0" err="1">
+                <a:solidFill>
+                  <a:schemeClr val="tx1"/>
+                </a:solidFill>
+              </a:rPr>
+              <a:t>dengan</a:t>
+            </a:r>
+            <a:r>
+              <a:rPr lang="en-ID" sz="1400" dirty="0">
+                <a:solidFill>
+                  <a:schemeClr val="tx1"/>
+                </a:solidFill>
+              </a:rPr>
+              <a:t> </a:t>
+            </a:r>
+            <a:r>
+              <a:rPr lang="en-ID" sz="1400" dirty="0" err="1">
+                <a:solidFill>
+                  <a:schemeClr val="tx1"/>
+                </a:solidFill>
+              </a:rPr>
+              <a:t>hak</a:t>
+            </a:r>
+            <a:r>
+              <a:rPr lang="en-ID" sz="1400" dirty="0">
+                <a:solidFill>
+                  <a:schemeClr val="tx1"/>
+                </a:solidFill>
+              </a:rPr>
+              <a:t> </a:t>
+            </a:r>
+            <a:r>
+              <a:rPr lang="en-ID" sz="1400" dirty="0" err="1">
+                <a:solidFill>
+                  <a:schemeClr val="tx1"/>
+                </a:solidFill>
+              </a:rPr>
+              <a:t>akses</a:t>
+            </a:r>
+            <a:r>
+              <a:rPr lang="en-ID" sz="1400" dirty="0">
+                <a:solidFill>
+                  <a:schemeClr val="tx1"/>
+                </a:solidFill>
+              </a:rPr>
+              <a:t> </a:t>
+            </a:r>
+            <a:r>
+              <a:rPr lang="en-ID" sz="1400" dirty="0" err="1">
+                <a:solidFill>
+                  <a:schemeClr val="tx1"/>
+                </a:solidFill>
+              </a:rPr>
+              <a:t>berbeda</a:t>
+            </a:r>
+            <a:r>
+              <a:rPr lang="en-ID" sz="1400" dirty="0">
+                <a:solidFill>
+                  <a:schemeClr val="tx1"/>
+                </a:solidFill>
+              </a:rPr>
+              <a:t> (</a:t>
+            </a:r>
+            <a:r>
+              <a:rPr lang="en-ID" sz="1400" dirty="0" err="1">
+                <a:solidFill>
+                  <a:schemeClr val="tx1"/>
+                </a:solidFill>
+              </a:rPr>
+              <a:t>misal</a:t>
+            </a:r>
+            <a:r>
+              <a:rPr lang="en-ID" sz="1400" dirty="0">
+                <a:solidFill>
+                  <a:schemeClr val="tx1"/>
+                </a:solidFill>
+              </a:rPr>
+              <a:t>: admin, teller, auditor).</a:t>
+            </a:r>
+          </a:p>
+          <a:p>
+            <a:endParaRPr lang="en-ID" sz="2800" dirty="0">
+              <a:solidFill>
+                <a:schemeClr val="tx1"/>
+              </a:solidFill>
+            </a:endParaRPr>
+          </a:p>
+        </p:txBody>
+      </p:sp>
+    </p:spTree>
+    <p:extLst>
+      <p:ext uri="{BB962C8B-B14F-4D97-AF65-F5344CB8AC3E}">
+        <p14:creationId xmlns:p14="http://schemas.microsoft.com/office/powerpoint/2010/main" val="902407395"/>
+      </p:ext>
+    </p:extLst>
+  </p:cSld>
+  <p:clrMapOvr>
+    <a:masterClrMapping/>
+  </p:clrMapOvr>
+</p:sld>
+</file>
+
 <file path=ppt/slides/slide2.xml><?xml version="1.0" encoding="utf-8"?>
 <p:sld xmlns:a="http://schemas.openxmlformats.org/drawingml/2006/main" xmlns:r="http://schemas.openxmlformats.org/officeDocument/2006/relationships" xmlns:p="http://schemas.openxmlformats.org/presentationml/2006/main">
   <p:cSld>
@@ -12233,6 +13576,148 @@
           <p:cNvPr id="2" name="Title 1">
             <a:extLst>
               <a:ext uri="{FF2B5EF4-FFF2-40B4-BE49-F238E27FC236}">
+                <a16:creationId xmlns:a16="http://schemas.microsoft.com/office/drawing/2014/main" id="{B2FBC638-3C13-15BF-A37C-4D12FAE6DCCB}"/>
+              </a:ext>
+            </a:extLst>
+          </p:cNvPr>
+          <p:cNvSpPr>
+            <a:spLocks noGrp="1"/>
+          </p:cNvSpPr>
+          <p:nvPr>
+            <p:ph type="title"/>
+          </p:nvPr>
+        </p:nvSpPr>
+        <p:spPr/>
+        <p:txBody>
+          <a:bodyPr/>
+          <a:lstStyle/>
+          <a:p>
+            <a:r>
+              <a:rPr lang="id" sz="3600" dirty="0">
+                <a:solidFill>
+                  <a:schemeClr val="tx1"/>
+                </a:solidFill>
+                <a:latin typeface="Segoe UI Historic" panose="020B0502040204020203" pitchFamily="34" charset="0"/>
+                <a:ea typeface="Segoe UI Historic" panose="020B0502040204020203" pitchFamily="34" charset="0"/>
+                <a:cs typeface="Segoe UI Historic" panose="020B0502040204020203" pitchFamily="34" charset="0"/>
+                <a:sym typeface="DM Sans Black"/>
+              </a:rPr>
+              <a:t>Integrasi API dan Authentikasi</a:t>
+            </a:r>
+            <a:br>
+              <a:rPr lang="id" sz="3600" b="0" i="0" u="none" strike="noStrike" cap="none" dirty="0">
+                <a:solidFill>
+                  <a:schemeClr val="tx1"/>
+                </a:solidFill>
+                <a:latin typeface="Segoe UI Historic" panose="020B0502040204020203" pitchFamily="34" charset="0"/>
+                <a:ea typeface="Segoe UI Historic" panose="020B0502040204020203" pitchFamily="34" charset="0"/>
+                <a:cs typeface="Segoe UI Historic" panose="020B0502040204020203" pitchFamily="34" charset="0"/>
+                <a:sym typeface="DM Sans Black"/>
+              </a:rPr>
+            </a:br>
+            <a:endParaRPr lang="en-ID" dirty="0">
+              <a:solidFill>
+                <a:schemeClr val="tx1"/>
+              </a:solidFill>
+            </a:endParaRPr>
+          </a:p>
+        </p:txBody>
+      </p:sp>
+      <p:pic>
+        <p:nvPicPr>
+          <p:cNvPr id="5" name="Picture 4">
+            <a:extLst>
+              <a:ext uri="{FF2B5EF4-FFF2-40B4-BE49-F238E27FC236}">
+                <a16:creationId xmlns:a16="http://schemas.microsoft.com/office/drawing/2014/main" id="{1979CC4D-1B71-99CA-465E-DA8B2A1D775B}"/>
+              </a:ext>
+            </a:extLst>
+          </p:cNvPr>
+          <p:cNvPicPr>
+            <a:picLocks noChangeAspect="1"/>
+          </p:cNvPicPr>
+          <p:nvPr/>
+        </p:nvPicPr>
+        <p:blipFill>
+          <a:blip r:embed="rId2"/>
+          <a:stretch>
+            <a:fillRect/>
+          </a:stretch>
+        </p:blipFill>
+        <p:spPr>
+          <a:xfrm>
+            <a:off x="593244" y="1385460"/>
+            <a:ext cx="8078771" cy="2700347"/>
+          </a:xfrm>
+          <a:prstGeom prst="rect">
+            <a:avLst/>
+          </a:prstGeom>
+        </p:spPr>
+      </p:pic>
+      <p:pic>
+        <p:nvPicPr>
+          <p:cNvPr id="7" name="Picture 6">
+            <a:extLst>
+              <a:ext uri="{FF2B5EF4-FFF2-40B4-BE49-F238E27FC236}">
+                <a16:creationId xmlns:a16="http://schemas.microsoft.com/office/drawing/2014/main" id="{89AB051D-5D23-39B3-1714-4BFFC650E3A7}"/>
+              </a:ext>
+            </a:extLst>
+          </p:cNvPr>
+          <p:cNvPicPr>
+            <a:picLocks noChangeAspect="1"/>
+          </p:cNvPicPr>
+          <p:nvPr/>
+        </p:nvPicPr>
+        <p:blipFill>
+          <a:blip r:embed="rId3"/>
+          <a:stretch>
+            <a:fillRect/>
+          </a:stretch>
+        </p:blipFill>
+        <p:spPr>
+          <a:xfrm>
+            <a:off x="677334" y="4209343"/>
+            <a:ext cx="7994681" cy="2652002"/>
+          </a:xfrm>
+          <a:prstGeom prst="rect">
+            <a:avLst/>
+          </a:prstGeom>
+        </p:spPr>
+      </p:pic>
+    </p:spTree>
+    <p:extLst>
+      <p:ext uri="{BB962C8B-B14F-4D97-AF65-F5344CB8AC3E}">
+        <p14:creationId xmlns:p14="http://schemas.microsoft.com/office/powerpoint/2010/main" val="4142990898"/>
+      </p:ext>
+    </p:extLst>
+  </p:cSld>
+  <p:clrMapOvr>
+    <a:masterClrMapping/>
+  </p:clrMapOvr>
+</p:sld>
+</file>
+
+<file path=ppt/slides/slide7.xml><?xml version="1.0" encoding="utf-8"?>
+<p:sld xmlns:a="http://schemas.openxmlformats.org/drawingml/2006/main" xmlns:r="http://schemas.openxmlformats.org/officeDocument/2006/relationships" xmlns:p="http://schemas.openxmlformats.org/presentationml/2006/main">
+  <p:cSld>
+    <p:spTree>
+      <p:nvGrpSpPr>
+        <p:cNvPr id="1" name=""/>
+        <p:cNvGrpSpPr/>
+        <p:nvPr/>
+      </p:nvGrpSpPr>
+      <p:grpSpPr>
+        <a:xfrm>
+          <a:off x="0" y="0"/>
+          <a:ext cx="0" cy="0"/>
+          <a:chOff x="0" y="0"/>
+          <a:chExt cx="0" cy="0"/>
+        </a:xfrm>
+      </p:grpSpPr>
+      <p:sp>
+        <p:nvSpPr>
+          <p:cNvPr id="2" name="Title 1">
+            <a:extLst>
+              <a:ext uri="{FF2B5EF4-FFF2-40B4-BE49-F238E27FC236}">
                 <a16:creationId xmlns:a16="http://schemas.microsoft.com/office/drawing/2014/main" id="{3419309F-0256-A30A-921A-EAD56AA41527}"/>
               </a:ext>
             </a:extLst>
@@ -12501,7 +13986,7 @@
 </p:sld>
 </file>
 
-<file path=ppt/slides/slide7.xml><?xml version="1.0" encoding="utf-8"?>
+<file path=ppt/slides/slide8.xml><?xml version="1.0" encoding="utf-8"?>
 <p:sld xmlns:a="http://schemas.openxmlformats.org/drawingml/2006/main" xmlns:r="http://schemas.openxmlformats.org/officeDocument/2006/relationships" xmlns:p="http://schemas.openxmlformats.org/presentationml/2006/main">
   <p:cSld>
     <p:spTree>
@@ -12786,7 +14271,7 @@
 </p:sld>
 </file>
 
-<file path=ppt/slides/slide8.xml><?xml version="1.0" encoding="utf-8"?>
+<file path=ppt/slides/slide9.xml><?xml version="1.0" encoding="utf-8"?>
 <p:sld xmlns:a="http://schemas.openxmlformats.org/drawingml/2006/main" xmlns:r="http://schemas.openxmlformats.org/officeDocument/2006/relationships" xmlns:p="http://schemas.openxmlformats.org/presentationml/2006/main">
   <p:cSld>
     <p:spTree>
@@ -13060,1348 +14545,6 @@
     <p:extLst>
       <p:ext uri="{BB962C8B-B14F-4D97-AF65-F5344CB8AC3E}">
         <p14:creationId xmlns:p14="http://schemas.microsoft.com/office/powerpoint/2010/main" val="3969393971"/>
-      </p:ext>
-    </p:extLst>
-  </p:cSld>
-  <p:clrMapOvr>
-    <a:masterClrMapping/>
-  </p:clrMapOvr>
-</p:sld>
-</file>
-
-<file path=ppt/slides/slide9.xml><?xml version="1.0" encoding="utf-8"?>
-<p:sld xmlns:a="http://schemas.openxmlformats.org/drawingml/2006/main" xmlns:r="http://schemas.openxmlformats.org/officeDocument/2006/relationships" xmlns:p="http://schemas.openxmlformats.org/presentationml/2006/main">
-  <p:cSld>
-    <p:spTree>
-      <p:nvGrpSpPr>
-        <p:cNvPr id="1" name=""/>
-        <p:cNvGrpSpPr/>
-        <p:nvPr/>
-      </p:nvGrpSpPr>
-      <p:grpSpPr>
-        <a:xfrm>
-          <a:off x="0" y="0"/>
-          <a:ext cx="0" cy="0"/>
-          <a:chOff x="0" y="0"/>
-          <a:chExt cx="0" cy="0"/>
-        </a:xfrm>
-      </p:grpSpPr>
-      <p:sp>
-        <p:nvSpPr>
-          <p:cNvPr id="2" name="Title 1">
-            <a:extLst>
-              <a:ext uri="{FF2B5EF4-FFF2-40B4-BE49-F238E27FC236}">
-                <a16:creationId xmlns:a16="http://schemas.microsoft.com/office/drawing/2014/main" id="{DE9C10F2-3CF6-9217-A455-BD7704717772}"/>
-              </a:ext>
-            </a:extLst>
-          </p:cNvPr>
-          <p:cNvSpPr>
-            <a:spLocks noGrp="1"/>
-          </p:cNvSpPr>
-          <p:nvPr>
-            <p:ph type="title"/>
-          </p:nvPr>
-        </p:nvSpPr>
-        <p:spPr>
-          <a:xfrm>
-            <a:off x="757623" y="1694986"/>
-            <a:ext cx="8596668" cy="1855562"/>
-          </a:xfrm>
-        </p:spPr>
-        <p:txBody>
-          <a:bodyPr>
-            <a:noAutofit/>
-          </a:bodyPr>
-          <a:lstStyle/>
-          <a:p>
-            <a:r>
-              <a:rPr lang="en-ID" sz="1800" dirty="0" err="1">
-                <a:solidFill>
-                  <a:schemeClr val="tx1"/>
-                </a:solidFill>
-              </a:rPr>
-              <a:t>Sistem</a:t>
-            </a:r>
-            <a:r>
-              <a:rPr lang="en-ID" sz="1800" dirty="0">
-                <a:solidFill>
-                  <a:schemeClr val="tx1"/>
-                </a:solidFill>
-              </a:rPr>
-              <a:t> </a:t>
-            </a:r>
-            <a:r>
-              <a:rPr lang="en-ID" sz="1800" dirty="0" err="1">
-                <a:solidFill>
-                  <a:schemeClr val="tx1"/>
-                </a:solidFill>
-              </a:rPr>
-              <a:t>pencatatan</a:t>
-            </a:r>
-            <a:r>
-              <a:rPr lang="en-ID" sz="1800" dirty="0">
-                <a:solidFill>
-                  <a:schemeClr val="tx1"/>
-                </a:solidFill>
-              </a:rPr>
-              <a:t> manual </a:t>
-            </a:r>
-            <a:r>
-              <a:rPr lang="en-ID" sz="1800" dirty="0" err="1">
-                <a:solidFill>
-                  <a:schemeClr val="tx1"/>
-                </a:solidFill>
-              </a:rPr>
-              <a:t>berbasis</a:t>
-            </a:r>
-            <a:r>
-              <a:rPr lang="en-ID" sz="1800" dirty="0">
-                <a:solidFill>
-                  <a:schemeClr val="tx1"/>
-                </a:solidFill>
-              </a:rPr>
-              <a:t> </a:t>
-            </a:r>
-            <a:r>
-              <a:rPr lang="en-ID" sz="1800" dirty="0" err="1">
-                <a:solidFill>
-                  <a:schemeClr val="tx1"/>
-                </a:solidFill>
-              </a:rPr>
-              <a:t>teknologi</a:t>
-            </a:r>
-            <a:r>
-              <a:rPr lang="en-ID" sz="1800" dirty="0">
-                <a:solidFill>
-                  <a:schemeClr val="tx1"/>
-                </a:solidFill>
-              </a:rPr>
-              <a:t> </a:t>
-            </a:r>
-            <a:r>
-              <a:rPr lang="en-ID" sz="1800" dirty="0" err="1">
-                <a:solidFill>
-                  <a:schemeClr val="tx1"/>
-                </a:solidFill>
-              </a:rPr>
-              <a:t>ini</a:t>
-            </a:r>
-            <a:r>
-              <a:rPr lang="en-ID" sz="1800" dirty="0">
-                <a:solidFill>
-                  <a:schemeClr val="tx1"/>
-                </a:solidFill>
-              </a:rPr>
-              <a:t> </a:t>
-            </a:r>
-            <a:r>
-              <a:rPr lang="en-ID" sz="1800" dirty="0" err="1">
-                <a:solidFill>
-                  <a:schemeClr val="tx1"/>
-                </a:solidFill>
-              </a:rPr>
-              <a:t>dirancang</a:t>
-            </a:r>
-            <a:r>
-              <a:rPr lang="en-ID" sz="1800" dirty="0">
-                <a:solidFill>
-                  <a:schemeClr val="tx1"/>
-                </a:solidFill>
-              </a:rPr>
-              <a:t> </a:t>
-            </a:r>
-            <a:r>
-              <a:rPr lang="en-ID" sz="1800" dirty="0" err="1">
-                <a:solidFill>
-                  <a:schemeClr val="tx1"/>
-                </a:solidFill>
-              </a:rPr>
-              <a:t>untuk</a:t>
-            </a:r>
-            <a:r>
-              <a:rPr lang="en-ID" sz="1800" dirty="0">
-                <a:solidFill>
-                  <a:schemeClr val="tx1"/>
-                </a:solidFill>
-              </a:rPr>
-              <a:t> </a:t>
-            </a:r>
-            <a:r>
-              <a:rPr lang="en-ID" sz="1800" dirty="0" err="1">
-                <a:solidFill>
-                  <a:schemeClr val="tx1"/>
-                </a:solidFill>
-              </a:rPr>
-              <a:t>membantu</a:t>
-            </a:r>
-            <a:r>
-              <a:rPr lang="en-ID" sz="1800" dirty="0">
-                <a:solidFill>
-                  <a:schemeClr val="tx1"/>
-                </a:solidFill>
-              </a:rPr>
-              <a:t> </a:t>
-            </a:r>
-            <a:r>
-              <a:rPr lang="en-ID" sz="1800" dirty="0" err="1">
-                <a:solidFill>
-                  <a:schemeClr val="tx1"/>
-                </a:solidFill>
-              </a:rPr>
-              <a:t>kegiatan</a:t>
-            </a:r>
-            <a:r>
-              <a:rPr lang="en-ID" sz="1800" dirty="0">
-                <a:solidFill>
-                  <a:schemeClr val="tx1"/>
-                </a:solidFill>
-              </a:rPr>
-              <a:t> </a:t>
-            </a:r>
-            <a:r>
-              <a:rPr lang="en-ID" sz="1800" dirty="0" err="1">
-                <a:solidFill>
-                  <a:schemeClr val="tx1"/>
-                </a:solidFill>
-              </a:rPr>
-              <a:t>operasional</a:t>
-            </a:r>
-            <a:r>
-              <a:rPr lang="en-ID" sz="1800" dirty="0">
-                <a:solidFill>
-                  <a:schemeClr val="tx1"/>
-                </a:solidFill>
-              </a:rPr>
-              <a:t> </a:t>
-            </a:r>
-            <a:r>
-              <a:rPr lang="en-ID" sz="1800" dirty="0" err="1">
-                <a:solidFill>
-                  <a:schemeClr val="tx1"/>
-                </a:solidFill>
-              </a:rPr>
-              <a:t>perbankan</a:t>
-            </a:r>
-            <a:r>
-              <a:rPr lang="en-ID" sz="1800" dirty="0">
-                <a:solidFill>
-                  <a:schemeClr val="tx1"/>
-                </a:solidFill>
-              </a:rPr>
-              <a:t>, </a:t>
-            </a:r>
-            <a:r>
-              <a:rPr lang="en-ID" sz="1800" dirty="0" err="1">
-                <a:solidFill>
-                  <a:schemeClr val="tx1"/>
-                </a:solidFill>
-              </a:rPr>
-              <a:t>khususnya</a:t>
-            </a:r>
-            <a:r>
-              <a:rPr lang="en-ID" sz="1800" dirty="0">
-                <a:solidFill>
-                  <a:schemeClr val="tx1"/>
-                </a:solidFill>
-              </a:rPr>
-              <a:t> </a:t>
-            </a:r>
-            <a:r>
-              <a:rPr lang="en-ID" sz="1800" dirty="0" err="1">
-                <a:solidFill>
-                  <a:schemeClr val="tx1"/>
-                </a:solidFill>
-              </a:rPr>
-              <a:t>dalam</a:t>
-            </a:r>
-            <a:r>
-              <a:rPr lang="en-ID" sz="1800" dirty="0">
-                <a:solidFill>
-                  <a:schemeClr val="tx1"/>
-                </a:solidFill>
-              </a:rPr>
-              <a:t> </a:t>
-            </a:r>
-            <a:r>
-              <a:rPr lang="en-ID" sz="1800" dirty="0" err="1">
-                <a:solidFill>
-                  <a:schemeClr val="tx1"/>
-                </a:solidFill>
-              </a:rPr>
-              <a:t>mencatat</a:t>
-            </a:r>
-            <a:r>
-              <a:rPr lang="en-ID" sz="1800" dirty="0">
-                <a:solidFill>
-                  <a:schemeClr val="tx1"/>
-                </a:solidFill>
-              </a:rPr>
-              <a:t> </a:t>
-            </a:r>
-            <a:r>
-              <a:rPr lang="en-ID" sz="1800" dirty="0" err="1">
-                <a:solidFill>
-                  <a:schemeClr val="tx1"/>
-                </a:solidFill>
-              </a:rPr>
-              <a:t>transaksi</a:t>
-            </a:r>
-            <a:r>
-              <a:rPr lang="en-ID" sz="1800" dirty="0">
-                <a:solidFill>
-                  <a:schemeClr val="tx1"/>
-                </a:solidFill>
-              </a:rPr>
-              <a:t> </a:t>
-            </a:r>
-            <a:r>
-              <a:rPr lang="en-ID" sz="1800" dirty="0" err="1">
-                <a:solidFill>
-                  <a:schemeClr val="tx1"/>
-                </a:solidFill>
-              </a:rPr>
-              <a:t>tabungan</a:t>
-            </a:r>
-            <a:r>
-              <a:rPr lang="en-ID" sz="1800" dirty="0">
-                <a:solidFill>
-                  <a:schemeClr val="tx1"/>
-                </a:solidFill>
-              </a:rPr>
-              <a:t>, </a:t>
-            </a:r>
-            <a:r>
-              <a:rPr lang="en-ID" sz="1800" dirty="0" err="1">
-                <a:solidFill>
-                  <a:schemeClr val="tx1"/>
-                </a:solidFill>
-              </a:rPr>
-              <a:t>setoran</a:t>
-            </a:r>
-            <a:r>
-              <a:rPr lang="en-ID" sz="1800" dirty="0">
-                <a:solidFill>
-                  <a:schemeClr val="tx1"/>
-                </a:solidFill>
-              </a:rPr>
-              <a:t>, </a:t>
-            </a:r>
-            <a:r>
-              <a:rPr lang="en-ID" sz="1800" dirty="0" err="1">
-                <a:solidFill>
-                  <a:schemeClr val="tx1"/>
-                </a:solidFill>
-              </a:rPr>
-              <a:t>penarikan</a:t>
-            </a:r>
-            <a:r>
-              <a:rPr lang="en-ID" sz="1800" dirty="0">
-                <a:solidFill>
-                  <a:schemeClr val="tx1"/>
-                </a:solidFill>
-              </a:rPr>
-              <a:t>, </a:t>
-            </a:r>
-            <a:r>
-              <a:rPr lang="en-ID" sz="1800" dirty="0" err="1">
-                <a:solidFill>
-                  <a:schemeClr val="tx1"/>
-                </a:solidFill>
-              </a:rPr>
-              <a:t>serta</a:t>
-            </a:r>
-            <a:r>
-              <a:rPr lang="en-ID" sz="1800" dirty="0">
-                <a:solidFill>
-                  <a:schemeClr val="tx1"/>
-                </a:solidFill>
-              </a:rPr>
-              <a:t> </a:t>
-            </a:r>
-            <a:r>
-              <a:rPr lang="en-ID" sz="1800" dirty="0" err="1">
-                <a:solidFill>
-                  <a:schemeClr val="tx1"/>
-                </a:solidFill>
-              </a:rPr>
-              <a:t>pendaftaran</a:t>
-            </a:r>
-            <a:r>
-              <a:rPr lang="en-ID" sz="1800" dirty="0">
-                <a:solidFill>
-                  <a:schemeClr val="tx1"/>
-                </a:solidFill>
-              </a:rPr>
-              <a:t> </a:t>
-            </a:r>
-            <a:r>
-              <a:rPr lang="en-ID" sz="1800" dirty="0" err="1">
-                <a:solidFill>
-                  <a:schemeClr val="tx1"/>
-                </a:solidFill>
-              </a:rPr>
-              <a:t>nasabah</a:t>
-            </a:r>
-            <a:r>
-              <a:rPr lang="en-ID" sz="1800" dirty="0">
-                <a:solidFill>
-                  <a:schemeClr val="tx1"/>
-                </a:solidFill>
-              </a:rPr>
-              <a:t>. </a:t>
-            </a:r>
-            <a:r>
-              <a:rPr lang="en-ID" sz="1800" dirty="0" err="1">
-                <a:solidFill>
-                  <a:schemeClr val="tx1"/>
-                </a:solidFill>
-              </a:rPr>
-              <a:t>Meskipun</a:t>
-            </a:r>
-            <a:r>
-              <a:rPr lang="en-ID" sz="1800" dirty="0">
-                <a:solidFill>
-                  <a:schemeClr val="tx1"/>
-                </a:solidFill>
-              </a:rPr>
-              <a:t> </a:t>
-            </a:r>
-            <a:r>
-              <a:rPr lang="en-ID" sz="1800" dirty="0" err="1">
-                <a:solidFill>
-                  <a:schemeClr val="tx1"/>
-                </a:solidFill>
-              </a:rPr>
-              <a:t>tidak</a:t>
-            </a:r>
-            <a:r>
-              <a:rPr lang="en-ID" sz="1800" dirty="0">
-                <a:solidFill>
-                  <a:schemeClr val="tx1"/>
-                </a:solidFill>
-              </a:rPr>
-              <a:t> </a:t>
-            </a:r>
-            <a:r>
-              <a:rPr lang="en-ID" sz="1800" dirty="0" err="1">
-                <a:solidFill>
-                  <a:schemeClr val="tx1"/>
-                </a:solidFill>
-              </a:rPr>
-              <a:t>berbasis</a:t>
-            </a:r>
-            <a:r>
-              <a:rPr lang="en-ID" sz="1800" dirty="0">
-                <a:solidFill>
-                  <a:schemeClr val="tx1"/>
-                </a:solidFill>
-              </a:rPr>
-              <a:t> online </a:t>
-            </a:r>
-            <a:r>
-              <a:rPr lang="en-ID" sz="1800" dirty="0" err="1">
-                <a:solidFill>
-                  <a:schemeClr val="tx1"/>
-                </a:solidFill>
-              </a:rPr>
-              <a:t>atau</a:t>
-            </a:r>
-            <a:r>
-              <a:rPr lang="en-ID" sz="1800" dirty="0">
-                <a:solidFill>
-                  <a:schemeClr val="tx1"/>
-                </a:solidFill>
-              </a:rPr>
-              <a:t> </a:t>
-            </a:r>
-            <a:r>
-              <a:rPr lang="en-ID" sz="1800" dirty="0" err="1">
-                <a:solidFill>
-                  <a:schemeClr val="tx1"/>
-                </a:solidFill>
-              </a:rPr>
-              <a:t>terhubung</a:t>
-            </a:r>
-            <a:r>
-              <a:rPr lang="en-ID" sz="1800" dirty="0">
-                <a:solidFill>
-                  <a:schemeClr val="tx1"/>
-                </a:solidFill>
-              </a:rPr>
-              <a:t> </a:t>
-            </a:r>
-            <a:r>
-              <a:rPr lang="en-ID" sz="1800" dirty="0" err="1">
-                <a:solidFill>
-                  <a:schemeClr val="tx1"/>
-                </a:solidFill>
-              </a:rPr>
-              <a:t>ke</a:t>
-            </a:r>
-            <a:r>
-              <a:rPr lang="en-ID" sz="1800" dirty="0">
-                <a:solidFill>
-                  <a:schemeClr val="tx1"/>
-                </a:solidFill>
-              </a:rPr>
-              <a:t> </a:t>
-            </a:r>
-            <a:r>
-              <a:rPr lang="en-ID" sz="1800" dirty="0" err="1">
-                <a:solidFill>
-                  <a:schemeClr val="tx1"/>
-                </a:solidFill>
-              </a:rPr>
-              <a:t>jaringan</a:t>
-            </a:r>
-            <a:r>
-              <a:rPr lang="en-ID" sz="1800" dirty="0">
-                <a:solidFill>
-                  <a:schemeClr val="tx1"/>
-                </a:solidFill>
-              </a:rPr>
-              <a:t>, </a:t>
-            </a:r>
-            <a:r>
-              <a:rPr lang="en-ID" sz="1800" dirty="0" err="1">
-                <a:solidFill>
-                  <a:schemeClr val="tx1"/>
-                </a:solidFill>
-              </a:rPr>
-              <a:t>sistem</a:t>
-            </a:r>
-            <a:r>
-              <a:rPr lang="en-ID" sz="1800" dirty="0">
-                <a:solidFill>
-                  <a:schemeClr val="tx1"/>
-                </a:solidFill>
-              </a:rPr>
-              <a:t> </a:t>
-            </a:r>
-            <a:r>
-              <a:rPr lang="en-ID" sz="1800" dirty="0" err="1">
-                <a:solidFill>
-                  <a:schemeClr val="tx1"/>
-                </a:solidFill>
-              </a:rPr>
-              <a:t>ini</a:t>
-            </a:r>
-            <a:r>
-              <a:rPr lang="en-ID" sz="1800" dirty="0">
-                <a:solidFill>
-                  <a:schemeClr val="tx1"/>
-                </a:solidFill>
-              </a:rPr>
-              <a:t> </a:t>
-            </a:r>
-            <a:r>
-              <a:rPr lang="en-ID" sz="1800" dirty="0" err="1">
-                <a:solidFill>
-                  <a:schemeClr val="tx1"/>
-                </a:solidFill>
-              </a:rPr>
-              <a:t>tetap</a:t>
-            </a:r>
-            <a:r>
-              <a:rPr lang="en-ID" sz="1800" dirty="0">
-                <a:solidFill>
-                  <a:schemeClr val="tx1"/>
-                </a:solidFill>
-              </a:rPr>
-              <a:t> </a:t>
-            </a:r>
-            <a:r>
-              <a:rPr lang="en-ID" sz="1800" dirty="0" err="1">
-                <a:solidFill>
-                  <a:schemeClr val="tx1"/>
-                </a:solidFill>
-              </a:rPr>
-              <a:t>memberikan</a:t>
-            </a:r>
-            <a:r>
-              <a:rPr lang="en-ID" sz="1800" dirty="0">
-                <a:solidFill>
-                  <a:schemeClr val="tx1"/>
-                </a:solidFill>
-              </a:rPr>
-              <a:t> </a:t>
-            </a:r>
-            <a:r>
-              <a:rPr lang="en-ID" sz="1800" dirty="0" err="1">
-                <a:solidFill>
-                  <a:schemeClr val="tx1"/>
-                </a:solidFill>
-              </a:rPr>
-              <a:t>peningkatan</a:t>
-            </a:r>
-            <a:r>
-              <a:rPr lang="en-ID" sz="1800" dirty="0">
-                <a:solidFill>
-                  <a:schemeClr val="tx1"/>
-                </a:solidFill>
-              </a:rPr>
-              <a:t> </a:t>
-            </a:r>
-            <a:r>
-              <a:rPr lang="en-ID" sz="1800" dirty="0" err="1">
-                <a:solidFill>
-                  <a:schemeClr val="tx1"/>
-                </a:solidFill>
-              </a:rPr>
-              <a:t>efisiensi</a:t>
-            </a:r>
-            <a:r>
-              <a:rPr lang="en-ID" sz="1800" dirty="0">
-                <a:solidFill>
-                  <a:schemeClr val="tx1"/>
-                </a:solidFill>
-              </a:rPr>
-              <a:t> dan </a:t>
-            </a:r>
-            <a:r>
-              <a:rPr lang="en-ID" sz="1800" dirty="0" err="1">
-                <a:solidFill>
-                  <a:schemeClr val="tx1"/>
-                </a:solidFill>
-              </a:rPr>
-              <a:t>akurasi</a:t>
-            </a:r>
-            <a:r>
-              <a:rPr lang="en-ID" sz="1800" dirty="0">
-                <a:solidFill>
-                  <a:schemeClr val="tx1"/>
-                </a:solidFill>
-              </a:rPr>
-              <a:t> </a:t>
-            </a:r>
-            <a:r>
-              <a:rPr lang="en-ID" sz="1800" dirty="0" err="1">
-                <a:solidFill>
-                  <a:schemeClr val="tx1"/>
-                </a:solidFill>
-              </a:rPr>
-              <a:t>dibandingkan</a:t>
-            </a:r>
-            <a:r>
-              <a:rPr lang="en-ID" sz="1800" dirty="0">
-                <a:solidFill>
-                  <a:schemeClr val="tx1"/>
-                </a:solidFill>
-              </a:rPr>
-              <a:t> </a:t>
-            </a:r>
-            <a:r>
-              <a:rPr lang="en-ID" sz="1800" dirty="0" err="1">
-                <a:solidFill>
-                  <a:schemeClr val="tx1"/>
-                </a:solidFill>
-              </a:rPr>
-              <a:t>metode</a:t>
-            </a:r>
-            <a:r>
-              <a:rPr lang="en-ID" sz="1800" dirty="0">
-                <a:solidFill>
-                  <a:schemeClr val="tx1"/>
-                </a:solidFill>
-              </a:rPr>
-              <a:t> </a:t>
-            </a:r>
-            <a:r>
-              <a:rPr lang="en-ID" sz="1800" dirty="0" err="1">
-                <a:solidFill>
-                  <a:schemeClr val="tx1"/>
-                </a:solidFill>
-              </a:rPr>
-              <a:t>pencatatan</a:t>
-            </a:r>
-            <a:r>
-              <a:rPr lang="en-ID" sz="1800" dirty="0">
-                <a:solidFill>
-                  <a:schemeClr val="tx1"/>
-                </a:solidFill>
-              </a:rPr>
-              <a:t> </a:t>
-            </a:r>
-            <a:r>
-              <a:rPr lang="en-ID" sz="1800" dirty="0" err="1">
-                <a:solidFill>
-                  <a:schemeClr val="tx1"/>
-                </a:solidFill>
-              </a:rPr>
-              <a:t>konvensional</a:t>
-            </a:r>
-            <a:r>
-              <a:rPr lang="en-ID" sz="1800" dirty="0">
-                <a:solidFill>
-                  <a:schemeClr val="tx1"/>
-                </a:solidFill>
-              </a:rPr>
-              <a:t> </a:t>
-            </a:r>
-            <a:r>
-              <a:rPr lang="en-ID" sz="1800" dirty="0" err="1">
-                <a:solidFill>
-                  <a:schemeClr val="tx1"/>
-                </a:solidFill>
-              </a:rPr>
-              <a:t>menggunakan</a:t>
-            </a:r>
-            <a:r>
-              <a:rPr lang="en-ID" sz="1800" dirty="0">
-                <a:solidFill>
-                  <a:schemeClr val="tx1"/>
-                </a:solidFill>
-              </a:rPr>
-              <a:t> </a:t>
-            </a:r>
-            <a:r>
-              <a:rPr lang="en-ID" sz="1800" dirty="0" err="1">
-                <a:solidFill>
-                  <a:schemeClr val="tx1"/>
-                </a:solidFill>
-              </a:rPr>
-              <a:t>buku</a:t>
-            </a:r>
-            <a:r>
-              <a:rPr lang="en-ID" sz="1800" dirty="0">
-                <a:solidFill>
-                  <a:schemeClr val="tx1"/>
-                </a:solidFill>
-              </a:rPr>
-              <a:t> </a:t>
-            </a:r>
-            <a:r>
-              <a:rPr lang="en-ID" sz="1800" dirty="0" err="1">
-                <a:solidFill>
-                  <a:schemeClr val="tx1"/>
-                </a:solidFill>
-              </a:rPr>
-              <a:t>tulis</a:t>
-            </a:r>
-            <a:r>
-              <a:rPr lang="en-ID" sz="1800" dirty="0">
-                <a:solidFill>
-                  <a:schemeClr val="tx1"/>
-                </a:solidFill>
-              </a:rPr>
-              <a:t> </a:t>
-            </a:r>
-            <a:r>
-              <a:rPr lang="en-ID" sz="1800" dirty="0" err="1">
-                <a:solidFill>
-                  <a:schemeClr val="tx1"/>
-                </a:solidFill>
-              </a:rPr>
-              <a:t>atau</a:t>
-            </a:r>
-            <a:r>
-              <a:rPr lang="en-ID" sz="1800" dirty="0">
-                <a:solidFill>
-                  <a:schemeClr val="tx1"/>
-                </a:solidFill>
-              </a:rPr>
-              <a:t> </a:t>
-            </a:r>
-            <a:r>
-              <a:rPr lang="en-ID" sz="1800" dirty="0" err="1">
-                <a:solidFill>
-                  <a:schemeClr val="tx1"/>
-                </a:solidFill>
-              </a:rPr>
-              <a:t>dokumen</a:t>
-            </a:r>
-            <a:r>
-              <a:rPr lang="en-ID" sz="1800" dirty="0">
-                <a:solidFill>
-                  <a:schemeClr val="tx1"/>
-                </a:solidFill>
-              </a:rPr>
-              <a:t> </a:t>
-            </a:r>
-            <a:r>
-              <a:rPr lang="en-ID" sz="1800" dirty="0" err="1">
-                <a:solidFill>
-                  <a:schemeClr val="tx1"/>
-                </a:solidFill>
-              </a:rPr>
-              <a:t>kertas</a:t>
-            </a:r>
-            <a:r>
-              <a:rPr lang="en-ID" sz="1800" dirty="0">
-                <a:solidFill>
-                  <a:schemeClr val="tx1"/>
-                </a:solidFill>
-              </a:rPr>
-              <a:t>.</a:t>
-            </a:r>
-            <a:br>
-              <a:rPr lang="en-ID" sz="2000" dirty="0">
-                <a:solidFill>
-                  <a:schemeClr val="tx1"/>
-                </a:solidFill>
-              </a:rPr>
-            </a:br>
-            <a:br>
-              <a:rPr lang="en-ID" sz="2000" dirty="0">
-                <a:solidFill>
-                  <a:schemeClr val="tx1"/>
-                </a:solidFill>
-              </a:rPr>
-            </a:br>
-            <a:endParaRPr lang="en-ID" sz="2000" dirty="0">
-              <a:solidFill>
-                <a:schemeClr val="tx1"/>
-              </a:solidFill>
-            </a:endParaRPr>
-          </a:p>
-        </p:txBody>
-      </p:sp>
-      <p:sp>
-        <p:nvSpPr>
-          <p:cNvPr id="4" name="Title 1">
-            <a:extLst>
-              <a:ext uri="{FF2B5EF4-FFF2-40B4-BE49-F238E27FC236}">
-                <a16:creationId xmlns:a16="http://schemas.microsoft.com/office/drawing/2014/main" id="{DB890FF6-025E-9C6B-FA07-E6A9F1FC0FD1}"/>
-              </a:ext>
-            </a:extLst>
-          </p:cNvPr>
-          <p:cNvSpPr txBox="1">
-            <a:spLocks/>
-          </p:cNvSpPr>
-          <p:nvPr/>
-        </p:nvSpPr>
-        <p:spPr>
-          <a:xfrm>
-            <a:off x="677334" y="609600"/>
-            <a:ext cx="8596668" cy="871282"/>
-          </a:xfrm>
-          <a:prstGeom prst="rect">
-            <a:avLst/>
-          </a:prstGeom>
-        </p:spPr>
-        <p:txBody>
-          <a:bodyPr vert="horz" lIns="91440" tIns="45720" rIns="91440" bIns="45720" rtlCol="0" anchor="t">
-            <a:normAutofit/>
-          </a:bodyPr>
-          <a:lstStyle>
-            <a:lvl1pPr algn="l" defTabSz="457200" rtl="0" eaLnBrk="1" latinLnBrk="0" hangingPunct="1">
-              <a:spcBef>
-                <a:spcPct val="0"/>
-              </a:spcBef>
-              <a:buNone/>
-              <a:defRPr sz="3600" kern="1200">
-                <a:solidFill>
-                  <a:schemeClr val="accent1"/>
-                </a:solidFill>
-                <a:latin typeface="+mj-lt"/>
-                <a:ea typeface="+mj-ea"/>
-                <a:cs typeface="+mj-cs"/>
-              </a:defRPr>
-            </a:lvl1pPr>
-            <a:lvl2pPr eaLnBrk="1" hangingPunct="1">
-              <a:defRPr>
-                <a:solidFill>
-                  <a:schemeClr val="tx2"/>
-                </a:solidFill>
-              </a:defRPr>
-            </a:lvl2pPr>
-            <a:lvl3pPr eaLnBrk="1" hangingPunct="1">
-              <a:defRPr>
-                <a:solidFill>
-                  <a:schemeClr val="tx2"/>
-                </a:solidFill>
-              </a:defRPr>
-            </a:lvl3pPr>
-            <a:lvl4pPr eaLnBrk="1" hangingPunct="1">
-              <a:defRPr>
-                <a:solidFill>
-                  <a:schemeClr val="tx2"/>
-                </a:solidFill>
-              </a:defRPr>
-            </a:lvl4pPr>
-            <a:lvl5pPr eaLnBrk="1" hangingPunct="1">
-              <a:defRPr>
-                <a:solidFill>
-                  <a:schemeClr val="tx2"/>
-                </a:solidFill>
-              </a:defRPr>
-            </a:lvl5pPr>
-            <a:lvl6pPr eaLnBrk="1" hangingPunct="1">
-              <a:defRPr>
-                <a:solidFill>
-                  <a:schemeClr val="tx2"/>
-                </a:solidFill>
-              </a:defRPr>
-            </a:lvl6pPr>
-            <a:lvl7pPr eaLnBrk="1" hangingPunct="1">
-              <a:defRPr>
-                <a:solidFill>
-                  <a:schemeClr val="tx2"/>
-                </a:solidFill>
-              </a:defRPr>
-            </a:lvl7pPr>
-            <a:lvl8pPr eaLnBrk="1" hangingPunct="1">
-              <a:defRPr>
-                <a:solidFill>
-                  <a:schemeClr val="tx2"/>
-                </a:solidFill>
-              </a:defRPr>
-            </a:lvl8pPr>
-            <a:lvl9pPr eaLnBrk="1" hangingPunct="1">
-              <a:defRPr>
-                <a:solidFill>
-                  <a:schemeClr val="tx2"/>
-                </a:solidFill>
-              </a:defRPr>
-            </a:lvl9pPr>
-          </a:lstStyle>
-          <a:p>
-            <a:pPr algn="ctr"/>
-            <a:r>
-              <a:rPr lang="en-US" b="1" dirty="0">
-                <a:solidFill>
-                  <a:schemeClr val="tx1"/>
-                </a:solidFill>
-              </a:rPr>
-              <a:t>KESIMPULAN</a:t>
-            </a:r>
-            <a:endParaRPr lang="en-ID" b="1" dirty="0">
-              <a:solidFill>
-                <a:schemeClr val="tx1"/>
-              </a:solidFill>
-            </a:endParaRPr>
-          </a:p>
-        </p:txBody>
-      </p:sp>
-      <p:sp>
-        <p:nvSpPr>
-          <p:cNvPr id="5" name="Title 1">
-            <a:extLst>
-              <a:ext uri="{FF2B5EF4-FFF2-40B4-BE49-F238E27FC236}">
-                <a16:creationId xmlns:a16="http://schemas.microsoft.com/office/drawing/2014/main" id="{982D440A-5E81-D8D4-4F3A-6710A1F299B2}"/>
-              </a:ext>
-            </a:extLst>
-          </p:cNvPr>
-          <p:cNvSpPr txBox="1">
-            <a:spLocks/>
-          </p:cNvSpPr>
-          <p:nvPr/>
-        </p:nvSpPr>
-        <p:spPr>
-          <a:xfrm>
-            <a:off x="829734" y="3496283"/>
-            <a:ext cx="8596668" cy="709968"/>
-          </a:xfrm>
-          <a:prstGeom prst="rect">
-            <a:avLst/>
-          </a:prstGeom>
-        </p:spPr>
-        <p:txBody>
-          <a:bodyPr vert="horz" lIns="91440" tIns="45720" rIns="91440" bIns="45720" rtlCol="0" anchor="t">
-            <a:normAutofit/>
-          </a:bodyPr>
-          <a:lstStyle>
-            <a:lvl1pPr algn="l" defTabSz="457200" rtl="0" eaLnBrk="1" latinLnBrk="0" hangingPunct="1">
-              <a:spcBef>
-                <a:spcPct val="0"/>
-              </a:spcBef>
-              <a:buNone/>
-              <a:defRPr sz="3600" kern="1200">
-                <a:solidFill>
-                  <a:schemeClr val="accent1"/>
-                </a:solidFill>
-                <a:latin typeface="+mj-lt"/>
-                <a:ea typeface="+mj-ea"/>
-                <a:cs typeface="+mj-cs"/>
-              </a:defRPr>
-            </a:lvl1pPr>
-            <a:lvl2pPr eaLnBrk="1" hangingPunct="1">
-              <a:defRPr>
-                <a:solidFill>
-                  <a:schemeClr val="tx2"/>
-                </a:solidFill>
-              </a:defRPr>
-            </a:lvl2pPr>
-            <a:lvl3pPr eaLnBrk="1" hangingPunct="1">
-              <a:defRPr>
-                <a:solidFill>
-                  <a:schemeClr val="tx2"/>
-                </a:solidFill>
-              </a:defRPr>
-            </a:lvl3pPr>
-            <a:lvl4pPr eaLnBrk="1" hangingPunct="1">
-              <a:defRPr>
-                <a:solidFill>
-                  <a:schemeClr val="tx2"/>
-                </a:solidFill>
-              </a:defRPr>
-            </a:lvl4pPr>
-            <a:lvl5pPr eaLnBrk="1" hangingPunct="1">
-              <a:defRPr>
-                <a:solidFill>
-                  <a:schemeClr val="tx2"/>
-                </a:solidFill>
-              </a:defRPr>
-            </a:lvl5pPr>
-            <a:lvl6pPr eaLnBrk="1" hangingPunct="1">
-              <a:defRPr>
-                <a:solidFill>
-                  <a:schemeClr val="tx2"/>
-                </a:solidFill>
-              </a:defRPr>
-            </a:lvl6pPr>
-            <a:lvl7pPr eaLnBrk="1" hangingPunct="1">
-              <a:defRPr>
-                <a:solidFill>
-                  <a:schemeClr val="tx2"/>
-                </a:solidFill>
-              </a:defRPr>
-            </a:lvl7pPr>
-            <a:lvl8pPr eaLnBrk="1" hangingPunct="1">
-              <a:defRPr>
-                <a:solidFill>
-                  <a:schemeClr val="tx2"/>
-                </a:solidFill>
-              </a:defRPr>
-            </a:lvl8pPr>
-            <a:lvl9pPr eaLnBrk="1" hangingPunct="1">
-              <a:defRPr>
-                <a:solidFill>
-                  <a:schemeClr val="tx2"/>
-                </a:solidFill>
-              </a:defRPr>
-            </a:lvl9pPr>
-          </a:lstStyle>
-          <a:p>
-            <a:pPr algn="ctr"/>
-            <a:r>
-              <a:rPr lang="en-ID" b="1" dirty="0" err="1">
-                <a:solidFill>
-                  <a:schemeClr val="tx1"/>
-                </a:solidFill>
-              </a:rPr>
-              <a:t>Rencana</a:t>
-            </a:r>
-            <a:r>
-              <a:rPr lang="en-ID" b="1" dirty="0">
-                <a:solidFill>
-                  <a:schemeClr val="tx1"/>
-                </a:solidFill>
-              </a:rPr>
-              <a:t> </a:t>
-            </a:r>
-            <a:r>
-              <a:rPr lang="en-ID" b="1" dirty="0" err="1">
-                <a:solidFill>
-                  <a:schemeClr val="tx1"/>
-                </a:solidFill>
-              </a:rPr>
-              <a:t>Pengembangan</a:t>
-            </a:r>
-            <a:r>
-              <a:rPr lang="en-ID" b="1" dirty="0">
-                <a:solidFill>
-                  <a:schemeClr val="tx1"/>
-                </a:solidFill>
-              </a:rPr>
-              <a:t> </a:t>
-            </a:r>
-            <a:r>
-              <a:rPr lang="en-ID" b="1" dirty="0" err="1">
-                <a:solidFill>
-                  <a:schemeClr val="tx1"/>
-                </a:solidFill>
-              </a:rPr>
-              <a:t>Sistem</a:t>
-            </a:r>
-            <a:endParaRPr lang="en-ID" b="1" dirty="0">
-              <a:solidFill>
-                <a:schemeClr val="tx1"/>
-              </a:solidFill>
-            </a:endParaRPr>
-          </a:p>
-        </p:txBody>
-      </p:sp>
-      <p:sp>
-        <p:nvSpPr>
-          <p:cNvPr id="6" name="Title 1">
-            <a:extLst>
-              <a:ext uri="{FF2B5EF4-FFF2-40B4-BE49-F238E27FC236}">
-                <a16:creationId xmlns:a16="http://schemas.microsoft.com/office/drawing/2014/main" id="{8C4DBCDF-0844-DFA4-336C-552D77B47399}"/>
-              </a:ext>
-            </a:extLst>
-          </p:cNvPr>
-          <p:cNvSpPr txBox="1">
-            <a:spLocks/>
-          </p:cNvSpPr>
-          <p:nvPr/>
-        </p:nvSpPr>
-        <p:spPr>
-          <a:xfrm>
-            <a:off x="910023" y="4273146"/>
-            <a:ext cx="8596668" cy="1691259"/>
-          </a:xfrm>
-          <a:prstGeom prst="rect">
-            <a:avLst/>
-          </a:prstGeom>
-        </p:spPr>
-        <p:txBody>
-          <a:bodyPr vert="horz" lIns="91440" tIns="45720" rIns="91440" bIns="45720" rtlCol="0" anchor="t">
-            <a:noAutofit/>
-          </a:bodyPr>
-          <a:lstStyle>
-            <a:lvl1pPr algn="l" defTabSz="457200" rtl="0" eaLnBrk="1" latinLnBrk="0" hangingPunct="1">
-              <a:spcBef>
-                <a:spcPct val="0"/>
-              </a:spcBef>
-              <a:buNone/>
-              <a:defRPr sz="3600" kern="1200">
-                <a:solidFill>
-                  <a:schemeClr val="accent1"/>
-                </a:solidFill>
-                <a:latin typeface="+mj-lt"/>
-                <a:ea typeface="+mj-ea"/>
-                <a:cs typeface="+mj-cs"/>
-              </a:defRPr>
-            </a:lvl1pPr>
-            <a:lvl2pPr eaLnBrk="1" hangingPunct="1">
-              <a:defRPr>
-                <a:solidFill>
-                  <a:schemeClr val="tx2"/>
-                </a:solidFill>
-              </a:defRPr>
-            </a:lvl2pPr>
-            <a:lvl3pPr eaLnBrk="1" hangingPunct="1">
-              <a:defRPr>
-                <a:solidFill>
-                  <a:schemeClr val="tx2"/>
-                </a:solidFill>
-              </a:defRPr>
-            </a:lvl3pPr>
-            <a:lvl4pPr eaLnBrk="1" hangingPunct="1">
-              <a:defRPr>
-                <a:solidFill>
-                  <a:schemeClr val="tx2"/>
-                </a:solidFill>
-              </a:defRPr>
-            </a:lvl4pPr>
-            <a:lvl5pPr eaLnBrk="1" hangingPunct="1">
-              <a:defRPr>
-                <a:solidFill>
-                  <a:schemeClr val="tx2"/>
-                </a:solidFill>
-              </a:defRPr>
-            </a:lvl5pPr>
-            <a:lvl6pPr eaLnBrk="1" hangingPunct="1">
-              <a:defRPr>
-                <a:solidFill>
-                  <a:schemeClr val="tx2"/>
-                </a:solidFill>
-              </a:defRPr>
-            </a:lvl6pPr>
-            <a:lvl7pPr eaLnBrk="1" hangingPunct="1">
-              <a:defRPr>
-                <a:solidFill>
-                  <a:schemeClr val="tx2"/>
-                </a:solidFill>
-              </a:defRPr>
-            </a:lvl7pPr>
-            <a:lvl8pPr eaLnBrk="1" hangingPunct="1">
-              <a:defRPr>
-                <a:solidFill>
-                  <a:schemeClr val="tx2"/>
-                </a:solidFill>
-              </a:defRPr>
-            </a:lvl8pPr>
-            <a:lvl9pPr eaLnBrk="1" hangingPunct="1">
-              <a:defRPr>
-                <a:solidFill>
-                  <a:schemeClr val="tx2"/>
-                </a:solidFill>
-              </a:defRPr>
-            </a:lvl9pPr>
-          </a:lstStyle>
-          <a:p>
-            <a:pPr>
-              <a:buNone/>
-            </a:pPr>
-            <a:r>
-              <a:rPr lang="en-ID" sz="1400" b="1" dirty="0" err="1">
-                <a:solidFill>
-                  <a:schemeClr val="tx1"/>
-                </a:solidFill>
-              </a:rPr>
-              <a:t>Penambahan</a:t>
-            </a:r>
-            <a:r>
-              <a:rPr lang="en-ID" sz="1400" b="1" dirty="0">
-                <a:solidFill>
-                  <a:schemeClr val="tx1"/>
-                </a:solidFill>
-              </a:rPr>
-              <a:t> </a:t>
-            </a:r>
-            <a:r>
-              <a:rPr lang="en-ID" sz="1400" b="1" dirty="0" err="1">
-                <a:solidFill>
-                  <a:schemeClr val="tx1"/>
-                </a:solidFill>
-              </a:rPr>
-              <a:t>Otorisasi</a:t>
-            </a:r>
-            <a:r>
-              <a:rPr lang="en-ID" sz="1400" b="1" dirty="0">
-                <a:solidFill>
-                  <a:schemeClr val="tx1"/>
-                </a:solidFill>
-              </a:rPr>
-              <a:t> </a:t>
-            </a:r>
-            <a:r>
-              <a:rPr lang="en-ID" sz="1400" b="1" dirty="0" err="1">
-                <a:solidFill>
-                  <a:schemeClr val="tx1"/>
-                </a:solidFill>
-              </a:rPr>
-              <a:t>Pengguna</a:t>
-            </a:r>
-            <a:endParaRPr lang="en-ID" sz="1400" dirty="0">
-              <a:solidFill>
-                <a:schemeClr val="tx1"/>
-              </a:solidFill>
-            </a:endParaRPr>
-          </a:p>
-          <a:p>
-            <a:pPr>
-              <a:buFont typeface="Arial" panose="020B0604020202020204" pitchFamily="34" charset="0"/>
-              <a:buChar char="•"/>
-            </a:pPr>
-            <a:r>
-              <a:rPr lang="en-ID" sz="1400" dirty="0" err="1">
-                <a:solidFill>
-                  <a:schemeClr val="tx1"/>
-                </a:solidFill>
-              </a:rPr>
-              <a:t>Membuat</a:t>
-            </a:r>
-            <a:r>
-              <a:rPr lang="en-ID" sz="1400" dirty="0">
-                <a:solidFill>
-                  <a:schemeClr val="tx1"/>
-                </a:solidFill>
-              </a:rPr>
-              <a:t> </a:t>
-            </a:r>
-            <a:r>
-              <a:rPr lang="en-ID" sz="1400" dirty="0" err="1">
-                <a:solidFill>
-                  <a:schemeClr val="tx1"/>
-                </a:solidFill>
-              </a:rPr>
-              <a:t>sistem</a:t>
-            </a:r>
-            <a:r>
-              <a:rPr lang="en-ID" sz="1400" dirty="0">
-                <a:solidFill>
-                  <a:schemeClr val="tx1"/>
-                </a:solidFill>
-              </a:rPr>
-              <a:t> login </a:t>
-            </a:r>
-            <a:r>
-              <a:rPr lang="en-ID" sz="1400" dirty="0" err="1">
-                <a:solidFill>
-                  <a:schemeClr val="tx1"/>
-                </a:solidFill>
-              </a:rPr>
-              <a:t>dengan</a:t>
-            </a:r>
-            <a:r>
-              <a:rPr lang="en-ID" sz="1400" dirty="0">
-                <a:solidFill>
-                  <a:schemeClr val="tx1"/>
-                </a:solidFill>
-              </a:rPr>
-              <a:t> </a:t>
-            </a:r>
-            <a:r>
-              <a:rPr lang="en-ID" sz="1400" dirty="0" err="1">
-                <a:solidFill>
-                  <a:schemeClr val="tx1"/>
-                </a:solidFill>
-              </a:rPr>
-              <a:t>hak</a:t>
-            </a:r>
-            <a:r>
-              <a:rPr lang="en-ID" sz="1400" dirty="0">
-                <a:solidFill>
-                  <a:schemeClr val="tx1"/>
-                </a:solidFill>
-              </a:rPr>
-              <a:t> </a:t>
-            </a:r>
-            <a:r>
-              <a:rPr lang="en-ID" sz="1400" dirty="0" err="1">
-                <a:solidFill>
-                  <a:schemeClr val="tx1"/>
-                </a:solidFill>
-              </a:rPr>
-              <a:t>akses</a:t>
-            </a:r>
-            <a:r>
-              <a:rPr lang="en-ID" sz="1400" dirty="0">
-                <a:solidFill>
-                  <a:schemeClr val="tx1"/>
-                </a:solidFill>
-              </a:rPr>
-              <a:t> </a:t>
-            </a:r>
-            <a:r>
-              <a:rPr lang="en-ID" sz="1400" dirty="0" err="1">
-                <a:solidFill>
-                  <a:schemeClr val="tx1"/>
-                </a:solidFill>
-              </a:rPr>
-              <a:t>berbeda</a:t>
-            </a:r>
-            <a:r>
-              <a:rPr lang="en-ID" sz="1400" dirty="0">
-                <a:solidFill>
-                  <a:schemeClr val="tx1"/>
-                </a:solidFill>
-              </a:rPr>
-              <a:t> (</a:t>
-            </a:r>
-            <a:r>
-              <a:rPr lang="en-ID" sz="1400" dirty="0" err="1">
-                <a:solidFill>
-                  <a:schemeClr val="tx1"/>
-                </a:solidFill>
-              </a:rPr>
-              <a:t>misal</a:t>
-            </a:r>
-            <a:r>
-              <a:rPr lang="en-ID" sz="1400" dirty="0">
-                <a:solidFill>
-                  <a:schemeClr val="tx1"/>
-                </a:solidFill>
-              </a:rPr>
-              <a:t>: admin, teller, auditor).</a:t>
-            </a:r>
-          </a:p>
-          <a:p>
-            <a:endParaRPr lang="en-ID" sz="2800" dirty="0">
-              <a:solidFill>
-                <a:schemeClr val="tx1"/>
-              </a:solidFill>
-            </a:endParaRPr>
-          </a:p>
-        </p:txBody>
-      </p:sp>
-    </p:spTree>
-    <p:extLst>
-      <p:ext uri="{BB962C8B-B14F-4D97-AF65-F5344CB8AC3E}">
-        <p14:creationId xmlns:p14="http://schemas.microsoft.com/office/powerpoint/2010/main" val="902407395"/>
       </p:ext>
     </p:extLst>
   </p:cSld>

--- a/tugas.pptx
+++ b/tugas.pptx
@@ -13,8 +13,10 @@
     <p:sldId id="266" r:id="rId7"/>
     <p:sldId id="261" r:id="rId8"/>
     <p:sldId id="262" r:id="rId9"/>
-    <p:sldId id="263" r:id="rId10"/>
-    <p:sldId id="265" r:id="rId11"/>
+    <p:sldId id="267" r:id="rId10"/>
+    <p:sldId id="263" r:id="rId11"/>
+    <p:sldId id="268" r:id="rId12"/>
+    <p:sldId id="265" r:id="rId13"/>
   </p:sldIdLst>
   <p:sldSz cx="12192000" cy="6858000"/>
   <p:notesSz cx="6858000" cy="9144000"/>
@@ -5946,6 +5948,509 @@
       </p:grpSpPr>
       <p:sp>
         <p:nvSpPr>
+          <p:cNvPr id="4" name="Title 1">
+            <a:extLst>
+              <a:ext uri="{FF2B5EF4-FFF2-40B4-BE49-F238E27FC236}">
+                <a16:creationId xmlns:a16="http://schemas.microsoft.com/office/drawing/2014/main" id="{65EB655A-A851-A9D1-1614-F17ABB76C81B}"/>
+              </a:ext>
+            </a:extLst>
+          </p:cNvPr>
+          <p:cNvSpPr>
+            <a:spLocks noGrp="1"/>
+          </p:cNvSpPr>
+          <p:nvPr>
+            <p:ph type="title"/>
+          </p:nvPr>
+        </p:nvSpPr>
+        <p:spPr>
+          <a:xfrm>
+            <a:off x="677334" y="609600"/>
+            <a:ext cx="8596668" cy="871282"/>
+          </a:xfrm>
+        </p:spPr>
+        <p:txBody>
+          <a:bodyPr/>
+          <a:lstStyle/>
+          <a:p>
+            <a:pPr algn="ctr"/>
+            <a:r>
+              <a:rPr lang="en-US" b="1" dirty="0">
+                <a:solidFill>
+                  <a:schemeClr val="tx1"/>
+                </a:solidFill>
+              </a:rPr>
+              <a:t>HASIL PENGUJIAN</a:t>
+            </a:r>
+            <a:endParaRPr lang="en-ID" b="1" dirty="0">
+              <a:solidFill>
+                <a:schemeClr val="tx1"/>
+              </a:solidFill>
+            </a:endParaRPr>
+          </a:p>
+        </p:txBody>
+      </p:sp>
+      <p:sp>
+        <p:nvSpPr>
+          <p:cNvPr id="7" name="Title 1">
+            <a:extLst>
+              <a:ext uri="{FF2B5EF4-FFF2-40B4-BE49-F238E27FC236}">
+                <a16:creationId xmlns:a16="http://schemas.microsoft.com/office/drawing/2014/main" id="{FB8339BD-4DD3-0429-9A6F-0D1D1D2AA661}"/>
+              </a:ext>
+            </a:extLst>
+          </p:cNvPr>
+          <p:cNvSpPr txBox="1">
+            <a:spLocks/>
+          </p:cNvSpPr>
+          <p:nvPr/>
+        </p:nvSpPr>
+        <p:spPr>
+          <a:xfrm>
+            <a:off x="829734" y="1176820"/>
+            <a:ext cx="8596668" cy="553849"/>
+          </a:xfrm>
+          <a:prstGeom prst="rect">
+            <a:avLst/>
+          </a:prstGeom>
+        </p:spPr>
+        <p:txBody>
+          <a:bodyPr vert="horz" lIns="91440" tIns="45720" rIns="91440" bIns="45720" rtlCol="0" anchor="t">
+            <a:normAutofit/>
+          </a:bodyPr>
+          <a:lstStyle>
+            <a:lvl1pPr algn="l" defTabSz="457200" rtl="0" eaLnBrk="1" latinLnBrk="0" hangingPunct="1">
+              <a:spcBef>
+                <a:spcPct val="0"/>
+              </a:spcBef>
+              <a:buNone/>
+              <a:defRPr sz="3600" kern="1200">
+                <a:solidFill>
+                  <a:schemeClr val="accent1"/>
+                </a:solidFill>
+                <a:latin typeface="+mj-lt"/>
+                <a:ea typeface="+mj-ea"/>
+                <a:cs typeface="+mj-cs"/>
+              </a:defRPr>
+            </a:lvl1pPr>
+            <a:lvl2pPr eaLnBrk="1" hangingPunct="1">
+              <a:defRPr>
+                <a:solidFill>
+                  <a:schemeClr val="tx2"/>
+                </a:solidFill>
+              </a:defRPr>
+            </a:lvl2pPr>
+            <a:lvl3pPr eaLnBrk="1" hangingPunct="1">
+              <a:defRPr>
+                <a:solidFill>
+                  <a:schemeClr val="tx2"/>
+                </a:solidFill>
+              </a:defRPr>
+            </a:lvl3pPr>
+            <a:lvl4pPr eaLnBrk="1" hangingPunct="1">
+              <a:defRPr>
+                <a:solidFill>
+                  <a:schemeClr val="tx2"/>
+                </a:solidFill>
+              </a:defRPr>
+            </a:lvl4pPr>
+            <a:lvl5pPr eaLnBrk="1" hangingPunct="1">
+              <a:defRPr>
+                <a:solidFill>
+                  <a:schemeClr val="tx2"/>
+                </a:solidFill>
+              </a:defRPr>
+            </a:lvl5pPr>
+            <a:lvl6pPr eaLnBrk="1" hangingPunct="1">
+              <a:defRPr>
+                <a:solidFill>
+                  <a:schemeClr val="tx2"/>
+                </a:solidFill>
+              </a:defRPr>
+            </a:lvl6pPr>
+            <a:lvl7pPr eaLnBrk="1" hangingPunct="1">
+              <a:defRPr>
+                <a:solidFill>
+                  <a:schemeClr val="tx2"/>
+                </a:solidFill>
+              </a:defRPr>
+            </a:lvl7pPr>
+            <a:lvl8pPr eaLnBrk="1" hangingPunct="1">
+              <a:defRPr>
+                <a:solidFill>
+                  <a:schemeClr val="tx2"/>
+                </a:solidFill>
+              </a:defRPr>
+            </a:lvl8pPr>
+            <a:lvl9pPr eaLnBrk="1" hangingPunct="1">
+              <a:defRPr>
+                <a:solidFill>
+                  <a:schemeClr val="tx2"/>
+                </a:solidFill>
+              </a:defRPr>
+            </a:lvl9pPr>
+          </a:lstStyle>
+          <a:p>
+            <a:pPr algn="ctr"/>
+            <a:r>
+              <a:rPr lang="en-US" sz="2800" b="1" dirty="0" err="1">
+                <a:solidFill>
+                  <a:schemeClr val="tx1"/>
+                </a:solidFill>
+              </a:rPr>
+              <a:t>Transaksi</a:t>
+            </a:r>
+            <a:endParaRPr lang="en-ID" sz="2800" b="1" dirty="0">
+              <a:solidFill>
+                <a:schemeClr val="tx1"/>
+              </a:solidFill>
+            </a:endParaRPr>
+          </a:p>
+        </p:txBody>
+      </p:sp>
+      <p:pic>
+        <p:nvPicPr>
+          <p:cNvPr id="2" name="Google Shape;56;p13">
+            <a:extLst>
+              <a:ext uri="{FF2B5EF4-FFF2-40B4-BE49-F238E27FC236}">
+                <a16:creationId xmlns:a16="http://schemas.microsoft.com/office/drawing/2014/main" id="{1FE9CBBE-9575-5746-11CF-E85E577DBF72}"/>
+              </a:ext>
+            </a:extLst>
+          </p:cNvPr>
+          <p:cNvPicPr preferRelativeResize="0"/>
+          <p:nvPr/>
+        </p:nvPicPr>
+        <p:blipFill rotWithShape="1">
+          <a:blip r:embed="rId2">
+            <a:alphaModFix/>
+          </a:blip>
+          <a:srcRect t="34204" b="33891"/>
+          <a:stretch/>
+        </p:blipFill>
+        <p:spPr>
+          <a:xfrm>
+            <a:off x="10520985" y="60417"/>
+            <a:ext cx="1447153" cy="461701"/>
+          </a:xfrm>
+          <a:prstGeom prst="rect">
+            <a:avLst/>
+          </a:prstGeom>
+          <a:noFill/>
+          <a:ln>
+            <a:noFill/>
+          </a:ln>
+        </p:spPr>
+      </p:pic>
+      <p:pic>
+        <p:nvPicPr>
+          <p:cNvPr id="5" name="Picture 4">
+            <a:extLst>
+              <a:ext uri="{FF2B5EF4-FFF2-40B4-BE49-F238E27FC236}">
+                <a16:creationId xmlns:a16="http://schemas.microsoft.com/office/drawing/2014/main" id="{9BA17C77-80CD-91E7-8B5A-E8290B46B183}"/>
+              </a:ext>
+            </a:extLst>
+          </p:cNvPr>
+          <p:cNvPicPr>
+            <a:picLocks noChangeAspect="1"/>
+          </p:cNvPicPr>
+          <p:nvPr/>
+        </p:nvPicPr>
+        <p:blipFill>
+          <a:blip r:embed="rId3"/>
+          <a:stretch>
+            <a:fillRect/>
+          </a:stretch>
+        </p:blipFill>
+        <p:spPr>
+          <a:xfrm>
+            <a:off x="399292" y="1730669"/>
+            <a:ext cx="3650904" cy="2996087"/>
+          </a:xfrm>
+          <a:prstGeom prst="rect">
+            <a:avLst/>
+          </a:prstGeom>
+        </p:spPr>
+      </p:pic>
+      <p:pic>
+        <p:nvPicPr>
+          <p:cNvPr id="10" name="Picture 9">
+            <a:extLst>
+              <a:ext uri="{FF2B5EF4-FFF2-40B4-BE49-F238E27FC236}">
+                <a16:creationId xmlns:a16="http://schemas.microsoft.com/office/drawing/2014/main" id="{209222F2-158B-A9DD-475F-8B3D7331809B}"/>
+              </a:ext>
+            </a:extLst>
+          </p:cNvPr>
+          <p:cNvPicPr>
+            <a:picLocks noChangeAspect="1"/>
+          </p:cNvPicPr>
+          <p:nvPr/>
+        </p:nvPicPr>
+        <p:blipFill>
+          <a:blip r:embed="rId4"/>
+          <a:stretch>
+            <a:fillRect/>
+          </a:stretch>
+        </p:blipFill>
+        <p:spPr>
+          <a:xfrm>
+            <a:off x="399293" y="4855055"/>
+            <a:ext cx="4576376" cy="904882"/>
+          </a:xfrm>
+          <a:prstGeom prst="rect">
+            <a:avLst/>
+          </a:prstGeom>
+        </p:spPr>
+      </p:pic>
+      <p:pic>
+        <p:nvPicPr>
+          <p:cNvPr id="12" name="Picture 11">
+            <a:extLst>
+              <a:ext uri="{FF2B5EF4-FFF2-40B4-BE49-F238E27FC236}">
+                <a16:creationId xmlns:a16="http://schemas.microsoft.com/office/drawing/2014/main" id="{86BBA08E-64B9-72F1-0772-F18EC47DEC70}"/>
+              </a:ext>
+            </a:extLst>
+          </p:cNvPr>
+          <p:cNvPicPr>
+            <a:picLocks noChangeAspect="1"/>
+          </p:cNvPicPr>
+          <p:nvPr/>
+        </p:nvPicPr>
+        <p:blipFill>
+          <a:blip r:embed="rId5"/>
+          <a:stretch>
+            <a:fillRect/>
+          </a:stretch>
+        </p:blipFill>
+        <p:spPr>
+          <a:xfrm>
+            <a:off x="4050196" y="1774004"/>
+            <a:ext cx="3568147" cy="2699868"/>
+          </a:xfrm>
+          <a:prstGeom prst="rect">
+            <a:avLst/>
+          </a:prstGeom>
+        </p:spPr>
+      </p:pic>
+      <p:pic>
+        <p:nvPicPr>
+          <p:cNvPr id="14" name="Picture 13">
+            <a:extLst>
+              <a:ext uri="{FF2B5EF4-FFF2-40B4-BE49-F238E27FC236}">
+                <a16:creationId xmlns:a16="http://schemas.microsoft.com/office/drawing/2014/main" id="{70C3812B-4D58-9621-6502-6D9160A54E1E}"/>
+              </a:ext>
+            </a:extLst>
+          </p:cNvPr>
+          <p:cNvPicPr>
+            <a:picLocks noChangeAspect="1"/>
+          </p:cNvPicPr>
+          <p:nvPr/>
+        </p:nvPicPr>
+        <p:blipFill>
+          <a:blip r:embed="rId6"/>
+          <a:stretch>
+            <a:fillRect/>
+          </a:stretch>
+        </p:blipFill>
+        <p:spPr>
+          <a:xfrm>
+            <a:off x="5011781" y="4877306"/>
+            <a:ext cx="4743476" cy="857256"/>
+          </a:xfrm>
+          <a:prstGeom prst="rect">
+            <a:avLst/>
+          </a:prstGeom>
+        </p:spPr>
+      </p:pic>
+      <p:pic>
+        <p:nvPicPr>
+          <p:cNvPr id="16" name="Picture 15">
+            <a:extLst>
+              <a:ext uri="{FF2B5EF4-FFF2-40B4-BE49-F238E27FC236}">
+                <a16:creationId xmlns:a16="http://schemas.microsoft.com/office/drawing/2014/main" id="{D02BE408-D578-BCA0-5694-1A0F5012CB36}"/>
+              </a:ext>
+            </a:extLst>
+          </p:cNvPr>
+          <p:cNvPicPr>
+            <a:picLocks noChangeAspect="1"/>
+          </p:cNvPicPr>
+          <p:nvPr/>
+        </p:nvPicPr>
+        <p:blipFill>
+          <a:blip r:embed="rId7"/>
+          <a:stretch>
+            <a:fillRect/>
+          </a:stretch>
+        </p:blipFill>
+        <p:spPr>
+          <a:xfrm>
+            <a:off x="7618343" y="1774004"/>
+            <a:ext cx="2675283" cy="2802966"/>
+          </a:xfrm>
+          <a:prstGeom prst="rect">
+            <a:avLst/>
+          </a:prstGeom>
+        </p:spPr>
+      </p:pic>
+    </p:spTree>
+    <p:extLst>
+      <p:ext uri="{BB962C8B-B14F-4D97-AF65-F5344CB8AC3E}">
+        <p14:creationId xmlns:p14="http://schemas.microsoft.com/office/powerpoint/2010/main" val="3969393971"/>
+      </p:ext>
+    </p:extLst>
+  </p:cSld>
+  <p:clrMapOvr>
+    <a:masterClrMapping/>
+  </p:clrMapOvr>
+</p:sld>
+</file>
+
+<file path=ppt/slides/slide11.xml><?xml version="1.0" encoding="utf-8"?>
+<p:sld xmlns:a="http://schemas.openxmlformats.org/drawingml/2006/main" xmlns:r="http://schemas.openxmlformats.org/officeDocument/2006/relationships" xmlns:p="http://schemas.openxmlformats.org/presentationml/2006/main">
+  <p:cSld>
+    <p:spTree>
+      <p:nvGrpSpPr>
+        <p:cNvPr id="1" name=""/>
+        <p:cNvGrpSpPr/>
+        <p:nvPr/>
+      </p:nvGrpSpPr>
+      <p:grpSpPr>
+        <a:xfrm>
+          <a:off x="0" y="0"/>
+          <a:ext cx="0" cy="0"/>
+          <a:chOff x="0" y="0"/>
+          <a:chExt cx="0" cy="0"/>
+        </a:xfrm>
+      </p:grpSpPr>
+      <p:sp>
+        <p:nvSpPr>
+          <p:cNvPr id="4" name="Title 1">
+            <a:extLst>
+              <a:ext uri="{FF2B5EF4-FFF2-40B4-BE49-F238E27FC236}">
+                <a16:creationId xmlns:a16="http://schemas.microsoft.com/office/drawing/2014/main" id="{A591BBC8-7579-0AD0-51CF-B5C048FDD3C2}"/>
+              </a:ext>
+            </a:extLst>
+          </p:cNvPr>
+          <p:cNvSpPr>
+            <a:spLocks noGrp="1"/>
+          </p:cNvSpPr>
+          <p:nvPr>
+            <p:ph type="title"/>
+          </p:nvPr>
+        </p:nvSpPr>
+        <p:spPr>
+          <a:xfrm>
+            <a:off x="677334" y="609600"/>
+            <a:ext cx="8596668" cy="871282"/>
+          </a:xfrm>
+        </p:spPr>
+        <p:txBody>
+          <a:bodyPr>
+            <a:normAutofit fontScale="90000"/>
+          </a:bodyPr>
+          <a:lstStyle/>
+          <a:p>
+            <a:pPr algn="ctr"/>
+            <a:r>
+              <a:rPr lang="en-US" b="1" dirty="0">
+                <a:solidFill>
+                  <a:schemeClr val="tx1"/>
+                </a:solidFill>
+              </a:rPr>
+              <a:t>GIT</a:t>
+            </a:r>
+            <a:br>
+              <a:rPr lang="en-US" b="1" dirty="0">
+                <a:solidFill>
+                  <a:schemeClr val="tx1"/>
+                </a:solidFill>
+              </a:rPr>
+            </a:br>
+            <a:r>
+              <a:rPr lang="en-ID" sz="1800" dirty="0">
+                <a:solidFill>
+                  <a:prstClr val="black"/>
+                </a:solidFill>
+                <a:latin typeface="Lucida Console" panose="020B0609040504020204" pitchFamily="49" charset="0"/>
+              </a:rPr>
+              <a:t> </a:t>
+            </a:r>
+            <a:r>
+              <a:rPr lang="en-ID" sz="1800" b="1" dirty="0">
+                <a:solidFill>
+                  <a:prstClr val="black"/>
+                </a:solidFill>
+                <a:latin typeface="Lucida Console" panose="020B0609040504020204" pitchFamily="49" charset="0"/>
+              </a:rPr>
+              <a:t>https://github.com/maryouga/tabungan.git</a:t>
+            </a:r>
+            <a:endParaRPr lang="en-ID" b="1" dirty="0">
+              <a:solidFill>
+                <a:schemeClr val="tx1"/>
+              </a:solidFill>
+            </a:endParaRPr>
+          </a:p>
+        </p:txBody>
+      </p:sp>
+      <p:pic>
+        <p:nvPicPr>
+          <p:cNvPr id="6" name="Picture 5">
+            <a:extLst>
+              <a:ext uri="{FF2B5EF4-FFF2-40B4-BE49-F238E27FC236}">
+                <a16:creationId xmlns:a16="http://schemas.microsoft.com/office/drawing/2014/main" id="{AB16612C-B188-5DA5-EDEE-A15BC63E901A}"/>
+              </a:ext>
+            </a:extLst>
+          </p:cNvPr>
+          <p:cNvPicPr>
+            <a:picLocks noChangeAspect="1"/>
+          </p:cNvPicPr>
+          <p:nvPr/>
+        </p:nvPicPr>
+        <p:blipFill>
+          <a:blip r:embed="rId2"/>
+          <a:stretch>
+            <a:fillRect/>
+          </a:stretch>
+        </p:blipFill>
+        <p:spPr>
+          <a:xfrm>
+            <a:off x="1784684" y="1813891"/>
+            <a:ext cx="6381968" cy="3811344"/>
+          </a:xfrm>
+          <a:prstGeom prst="rect">
+            <a:avLst/>
+          </a:prstGeom>
+        </p:spPr>
+      </p:pic>
+    </p:spTree>
+    <p:extLst>
+      <p:ext uri="{BB962C8B-B14F-4D97-AF65-F5344CB8AC3E}">
+        <p14:creationId xmlns:p14="http://schemas.microsoft.com/office/powerpoint/2010/main" val="1488022739"/>
+      </p:ext>
+    </p:extLst>
+  </p:cSld>
+  <p:clrMapOvr>
+    <a:masterClrMapping/>
+  </p:clrMapOvr>
+</p:sld>
+</file>
+
+<file path=ppt/slides/slide12.xml><?xml version="1.0" encoding="utf-8"?>
+<p:sld xmlns:a="http://schemas.openxmlformats.org/drawingml/2006/main" xmlns:r="http://schemas.openxmlformats.org/officeDocument/2006/relationships" xmlns:p="http://schemas.openxmlformats.org/presentationml/2006/main">
+  <p:cSld>
+    <p:spTree>
+      <p:nvGrpSpPr>
+        <p:cNvPr id="1" name=""/>
+        <p:cNvGrpSpPr/>
+        <p:nvPr/>
+      </p:nvGrpSpPr>
+      <p:grpSpPr>
+        <a:xfrm>
+          <a:off x="0" y="0"/>
+          <a:ext cx="0" cy="0"/>
+          <a:chOff x="0" y="0"/>
+          <a:chExt cx="0" cy="0"/>
+        </a:xfrm>
+      </p:grpSpPr>
+      <p:sp>
+        <p:nvSpPr>
           <p:cNvPr id="2" name="Title 1">
             <a:extLst>
               <a:ext uri="{FF2B5EF4-FFF2-40B4-BE49-F238E27FC236}">
@@ -14062,8 +14567,8 @@
         </p:nvSpPr>
         <p:spPr>
           <a:xfrm>
-            <a:off x="829734" y="1252648"/>
-            <a:ext cx="8596668" cy="871282"/>
+            <a:off x="3443532" y="1320304"/>
+            <a:ext cx="3064272" cy="526338"/>
           </a:xfrm>
           <a:prstGeom prst="rect">
             <a:avLst/>
@@ -14153,39 +14658,7 @@
                   <a:schemeClr val="tx1"/>
                 </a:solidFill>
               </a:rPr>
-              <a:t>Get </a:t>
-            </a:r>
-            <a:r>
-              <a:rPr lang="en-US" sz="2400" b="1" dirty="0" err="1">
-                <a:solidFill>
-                  <a:schemeClr val="tx1"/>
-                </a:solidFill>
-              </a:rPr>
-              <a:t>Nasabah</a:t>
-            </a:r>
-            <a:r>
-              <a:rPr lang="en-US" sz="2400" b="1" dirty="0">
-                <a:solidFill>
-                  <a:schemeClr val="tx1"/>
-                </a:solidFill>
-              </a:rPr>
-              <a:t> </a:t>
-            </a:r>
-            <a:r>
-              <a:rPr lang="en-US" sz="2400" b="1" dirty="0" err="1">
-                <a:solidFill>
-                  <a:schemeClr val="tx1"/>
-                </a:solidFill>
-              </a:rPr>
-              <a:t>Berdasarkan</a:t>
-            </a:r>
-            <a:r>
-              <a:rPr lang="en-US" sz="2400" b="1" dirty="0">
-                <a:solidFill>
-                  <a:schemeClr val="tx1"/>
-                </a:solidFill>
-              </a:rPr>
-              <a:t> Id</a:t>
+              <a:t>CRUD NASABAH</a:t>
             </a:r>
             <a:endParaRPr lang="en-ID" sz="2400" b="1" dirty="0">
               <a:solidFill>
@@ -14195,36 +14668,6 @@
           </a:p>
         </p:txBody>
       </p:sp>
-      <p:pic>
-        <p:nvPicPr>
-          <p:cNvPr id="7" name="Picture 6">
-            <a:extLst>
-              <a:ext uri="{FF2B5EF4-FFF2-40B4-BE49-F238E27FC236}">
-                <a16:creationId xmlns:a16="http://schemas.microsoft.com/office/drawing/2014/main" id="{E93E4E81-5FAE-CBA7-965B-5813E8DAEF83}"/>
-              </a:ext>
-            </a:extLst>
-          </p:cNvPr>
-          <p:cNvPicPr>
-            <a:picLocks noChangeAspect="1"/>
-          </p:cNvPicPr>
-          <p:nvPr/>
-        </p:nvPicPr>
-        <p:blipFill>
-          <a:blip r:embed="rId2"/>
-          <a:stretch>
-            <a:fillRect/>
-          </a:stretch>
-        </p:blipFill>
-        <p:spPr>
-          <a:xfrm>
-            <a:off x="917367" y="1749399"/>
-            <a:ext cx="8445197" cy="4102762"/>
-          </a:xfrm>
-          <a:prstGeom prst="rect">
-            <a:avLst/>
-          </a:prstGeom>
-        </p:spPr>
-      </p:pic>
       <p:pic>
         <p:nvPicPr>
           <p:cNvPr id="2" name="Google Shape;56;p13">
@@ -14238,7 +14681,7 @@
           <p:nvPr/>
         </p:nvPicPr>
         <p:blipFill rotWithShape="1">
-          <a:blip r:embed="rId3">
+          <a:blip r:embed="rId2">
             <a:alphaModFix/>
           </a:blip>
           <a:srcRect t="34204" b="33891"/>
@@ -14256,6 +14699,156 @@
           <a:ln>
             <a:noFill/>
           </a:ln>
+        </p:spPr>
+      </p:pic>
+      <p:pic>
+        <p:nvPicPr>
+          <p:cNvPr id="6" name="Picture 5">
+            <a:extLst>
+              <a:ext uri="{FF2B5EF4-FFF2-40B4-BE49-F238E27FC236}">
+                <a16:creationId xmlns:a16="http://schemas.microsoft.com/office/drawing/2014/main" id="{93F6525C-025E-E944-CE54-E0F53ED3B234}"/>
+              </a:ext>
+            </a:extLst>
+          </p:cNvPr>
+          <p:cNvPicPr>
+            <a:picLocks noChangeAspect="1"/>
+          </p:cNvPicPr>
+          <p:nvPr/>
+        </p:nvPicPr>
+        <p:blipFill>
+          <a:blip r:embed="rId3"/>
+          <a:stretch>
+            <a:fillRect/>
+          </a:stretch>
+        </p:blipFill>
+        <p:spPr>
+          <a:xfrm>
+            <a:off x="423246" y="1846642"/>
+            <a:ext cx="3274374" cy="2105856"/>
+          </a:xfrm>
+          <a:prstGeom prst="rect">
+            <a:avLst/>
+          </a:prstGeom>
+        </p:spPr>
+      </p:pic>
+      <p:pic>
+        <p:nvPicPr>
+          <p:cNvPr id="9" name="Picture 8">
+            <a:extLst>
+              <a:ext uri="{FF2B5EF4-FFF2-40B4-BE49-F238E27FC236}">
+                <a16:creationId xmlns:a16="http://schemas.microsoft.com/office/drawing/2014/main" id="{951254AF-E0C6-BB76-6FD0-7FDC34682DB3}"/>
+              </a:ext>
+            </a:extLst>
+          </p:cNvPr>
+          <p:cNvPicPr>
+            <a:picLocks noChangeAspect="1"/>
+          </p:cNvPicPr>
+          <p:nvPr/>
+        </p:nvPicPr>
+        <p:blipFill>
+          <a:blip r:embed="rId4"/>
+          <a:stretch>
+            <a:fillRect/>
+          </a:stretch>
+        </p:blipFill>
+        <p:spPr>
+          <a:xfrm>
+            <a:off x="3855526" y="1846642"/>
+            <a:ext cx="3921843" cy="2148145"/>
+          </a:xfrm>
+          <a:prstGeom prst="rect">
+            <a:avLst/>
+          </a:prstGeom>
+        </p:spPr>
+      </p:pic>
+      <p:pic>
+        <p:nvPicPr>
+          <p:cNvPr id="11" name="Picture 10">
+            <a:extLst>
+              <a:ext uri="{FF2B5EF4-FFF2-40B4-BE49-F238E27FC236}">
+                <a16:creationId xmlns:a16="http://schemas.microsoft.com/office/drawing/2014/main" id="{985589BC-B9ED-7F73-0811-8D26910BC716}"/>
+              </a:ext>
+            </a:extLst>
+          </p:cNvPr>
+          <p:cNvPicPr>
+            <a:picLocks noChangeAspect="1"/>
+          </p:cNvPicPr>
+          <p:nvPr/>
+        </p:nvPicPr>
+        <p:blipFill>
+          <a:blip r:embed="rId5"/>
+          <a:stretch>
+            <a:fillRect/>
+          </a:stretch>
+        </p:blipFill>
+        <p:spPr>
+          <a:xfrm>
+            <a:off x="423246" y="4062810"/>
+            <a:ext cx="3426899" cy="2185590"/>
+          </a:xfrm>
+          <a:prstGeom prst="rect">
+            <a:avLst/>
+          </a:prstGeom>
+        </p:spPr>
+      </p:pic>
+      <p:pic>
+        <p:nvPicPr>
+          <p:cNvPr id="13" name="Picture 12">
+            <a:extLst>
+              <a:ext uri="{FF2B5EF4-FFF2-40B4-BE49-F238E27FC236}">
+                <a16:creationId xmlns:a16="http://schemas.microsoft.com/office/drawing/2014/main" id="{B1B8ACEB-D615-EC34-9E8A-BD9F47707EA7}"/>
+              </a:ext>
+            </a:extLst>
+          </p:cNvPr>
+          <p:cNvPicPr>
+            <a:picLocks noChangeAspect="1"/>
+          </p:cNvPicPr>
+          <p:nvPr/>
+        </p:nvPicPr>
+        <p:blipFill>
+          <a:blip r:embed="rId6"/>
+          <a:stretch>
+            <a:fillRect/>
+          </a:stretch>
+        </p:blipFill>
+        <p:spPr>
+          <a:xfrm>
+            <a:off x="7872386" y="1846642"/>
+            <a:ext cx="3502950" cy="2297828"/>
+          </a:xfrm>
+          <a:prstGeom prst="rect">
+            <a:avLst/>
+          </a:prstGeom>
+        </p:spPr>
+      </p:pic>
+      <p:pic>
+        <p:nvPicPr>
+          <p:cNvPr id="15" name="Picture 14">
+            <a:extLst>
+              <a:ext uri="{FF2B5EF4-FFF2-40B4-BE49-F238E27FC236}">
+                <a16:creationId xmlns:a16="http://schemas.microsoft.com/office/drawing/2014/main" id="{D5291A35-913C-DF3D-DB2D-D7CBFC993F29}"/>
+              </a:ext>
+            </a:extLst>
+          </p:cNvPr>
+          <p:cNvPicPr>
+            <a:picLocks noChangeAspect="1"/>
+          </p:cNvPicPr>
+          <p:nvPr/>
+        </p:nvPicPr>
+        <p:blipFill>
+          <a:blip r:embed="rId7"/>
+          <a:stretch>
+            <a:fillRect/>
+          </a:stretch>
+        </p:blipFill>
+        <p:spPr>
+          <a:xfrm>
+            <a:off x="3899842" y="4144470"/>
+            <a:ext cx="5487668" cy="2192275"/>
+          </a:xfrm>
+          <a:prstGeom prst="rect">
+            <a:avLst/>
+          </a:prstGeom>
         </p:spPr>
       </p:pic>
     </p:spTree>
@@ -14290,10 +14883,10 @@
       </p:grpSpPr>
       <p:sp>
         <p:nvSpPr>
-          <p:cNvPr id="4" name="Title 1">
+          <p:cNvPr id="6" name="Title 1">
             <a:extLst>
               <a:ext uri="{FF2B5EF4-FFF2-40B4-BE49-F238E27FC236}">
-                <a16:creationId xmlns:a16="http://schemas.microsoft.com/office/drawing/2014/main" id="{65EB655A-A851-A9D1-1614-F17ABB76C81B}"/>
+                <a16:creationId xmlns:a16="http://schemas.microsoft.com/office/drawing/2014/main" id="{9E8FC925-CF39-A853-13BD-ED59BD1AB3BE}"/>
               </a:ext>
             </a:extLst>
           </p:cNvPr>
@@ -14331,12 +14924,129 @@
           </a:p>
         </p:txBody>
       </p:sp>
+      <p:sp>
+        <p:nvSpPr>
+          <p:cNvPr id="7" name="Title 1">
+            <a:extLst>
+              <a:ext uri="{FF2B5EF4-FFF2-40B4-BE49-F238E27FC236}">
+                <a16:creationId xmlns:a16="http://schemas.microsoft.com/office/drawing/2014/main" id="{85548140-32E5-19A2-FB3B-212AC31E9388}"/>
+              </a:ext>
+            </a:extLst>
+          </p:cNvPr>
+          <p:cNvSpPr txBox="1">
+            <a:spLocks/>
+          </p:cNvSpPr>
+          <p:nvPr/>
+        </p:nvSpPr>
+        <p:spPr>
+          <a:xfrm>
+            <a:off x="3644254" y="1250795"/>
+            <a:ext cx="2662828" cy="460173"/>
+          </a:xfrm>
+          <a:prstGeom prst="rect">
+            <a:avLst/>
+          </a:prstGeom>
+        </p:spPr>
+        <p:txBody>
+          <a:bodyPr vert="horz" lIns="91440" tIns="45720" rIns="91440" bIns="45720" rtlCol="0" anchor="t">
+            <a:normAutofit/>
+          </a:bodyPr>
+          <a:lstStyle>
+            <a:lvl1pPr algn="l" defTabSz="457200" rtl="0" eaLnBrk="1" latinLnBrk="0" hangingPunct="1">
+              <a:spcBef>
+                <a:spcPct val="0"/>
+              </a:spcBef>
+              <a:buNone/>
+              <a:defRPr sz="3600" kern="1200">
+                <a:solidFill>
+                  <a:schemeClr val="accent1"/>
+                </a:solidFill>
+                <a:latin typeface="+mj-lt"/>
+                <a:ea typeface="+mj-ea"/>
+                <a:cs typeface="+mj-cs"/>
+              </a:defRPr>
+            </a:lvl1pPr>
+            <a:lvl2pPr eaLnBrk="1" hangingPunct="1">
+              <a:defRPr>
+                <a:solidFill>
+                  <a:schemeClr val="tx2"/>
+                </a:solidFill>
+              </a:defRPr>
+            </a:lvl2pPr>
+            <a:lvl3pPr eaLnBrk="1" hangingPunct="1">
+              <a:defRPr>
+                <a:solidFill>
+                  <a:schemeClr val="tx2"/>
+                </a:solidFill>
+              </a:defRPr>
+            </a:lvl3pPr>
+            <a:lvl4pPr eaLnBrk="1" hangingPunct="1">
+              <a:defRPr>
+                <a:solidFill>
+                  <a:schemeClr val="tx2"/>
+                </a:solidFill>
+              </a:defRPr>
+            </a:lvl4pPr>
+            <a:lvl5pPr eaLnBrk="1" hangingPunct="1">
+              <a:defRPr>
+                <a:solidFill>
+                  <a:schemeClr val="tx2"/>
+                </a:solidFill>
+              </a:defRPr>
+            </a:lvl5pPr>
+            <a:lvl6pPr eaLnBrk="1" hangingPunct="1">
+              <a:defRPr>
+                <a:solidFill>
+                  <a:schemeClr val="tx2"/>
+                </a:solidFill>
+              </a:defRPr>
+            </a:lvl6pPr>
+            <a:lvl7pPr eaLnBrk="1" hangingPunct="1">
+              <a:defRPr>
+                <a:solidFill>
+                  <a:schemeClr val="tx2"/>
+                </a:solidFill>
+              </a:defRPr>
+            </a:lvl7pPr>
+            <a:lvl8pPr eaLnBrk="1" hangingPunct="1">
+              <a:defRPr>
+                <a:solidFill>
+                  <a:schemeClr val="tx2"/>
+                </a:solidFill>
+              </a:defRPr>
+            </a:lvl8pPr>
+            <a:lvl9pPr eaLnBrk="1" hangingPunct="1">
+              <a:defRPr>
+                <a:solidFill>
+                  <a:schemeClr val="tx2"/>
+                </a:solidFill>
+              </a:defRPr>
+            </a:lvl9pPr>
+          </a:lstStyle>
+          <a:p>
+            <a:pPr algn="ctr"/>
+            <a:r>
+              <a:rPr lang="en-US" sz="2400" b="1" dirty="0">
+                <a:solidFill>
+                  <a:schemeClr val="tx1"/>
+                </a:solidFill>
+              </a:rPr>
+              <a:t>CRUD REKENING</a:t>
+            </a:r>
+            <a:endParaRPr lang="en-ID" sz="2400" b="1" dirty="0">
+              <a:solidFill>
+                <a:schemeClr val="tx1"/>
+              </a:solidFill>
+            </a:endParaRPr>
+          </a:p>
+        </p:txBody>
+      </p:sp>
       <p:pic>
         <p:nvPicPr>
-          <p:cNvPr id="6" name="Picture 5">
+          <p:cNvPr id="17" name="Picture 16">
             <a:extLst>
               <a:ext uri="{FF2B5EF4-FFF2-40B4-BE49-F238E27FC236}">
-                <a16:creationId xmlns:a16="http://schemas.microsoft.com/office/drawing/2014/main" id="{64862761-2995-157C-6DB0-505E3360F810}"/>
+                <a16:creationId xmlns:a16="http://schemas.microsoft.com/office/drawing/2014/main" id="{2E85104F-DE7E-DC4F-C4E9-20741B9D6B1A}"/>
               </a:ext>
             </a:extLst>
           </p:cNvPr>
@@ -14353,137 +15063,20 @@
         </p:blipFill>
         <p:spPr>
           <a:xfrm>
-            <a:off x="1146589" y="1650381"/>
-            <a:ext cx="6369333" cy="3090983"/>
+            <a:off x="677334" y="1710968"/>
+            <a:ext cx="4207800" cy="2472015"/>
           </a:xfrm>
           <a:prstGeom prst="rect">
             <a:avLst/>
           </a:prstGeom>
         </p:spPr>
       </p:pic>
-      <p:sp>
-        <p:nvSpPr>
-          <p:cNvPr id="7" name="Title 1">
+      <p:pic>
+        <p:nvPicPr>
+          <p:cNvPr id="19" name="Picture 18">
             <a:extLst>
               <a:ext uri="{FF2B5EF4-FFF2-40B4-BE49-F238E27FC236}">
-                <a16:creationId xmlns:a16="http://schemas.microsoft.com/office/drawing/2014/main" id="{FB8339BD-4DD3-0429-9A6F-0D1D1D2AA661}"/>
-              </a:ext>
-            </a:extLst>
-          </p:cNvPr>
-          <p:cNvSpPr txBox="1">
-            <a:spLocks/>
-          </p:cNvSpPr>
-          <p:nvPr/>
-        </p:nvSpPr>
-        <p:spPr>
-          <a:xfrm>
-            <a:off x="829734" y="1176820"/>
-            <a:ext cx="8596668" cy="553849"/>
-          </a:xfrm>
-          <a:prstGeom prst="rect">
-            <a:avLst/>
-          </a:prstGeom>
-        </p:spPr>
-        <p:txBody>
-          <a:bodyPr vert="horz" lIns="91440" tIns="45720" rIns="91440" bIns="45720" rtlCol="0" anchor="t">
-            <a:normAutofit/>
-          </a:bodyPr>
-          <a:lstStyle>
-            <a:lvl1pPr algn="l" defTabSz="457200" rtl="0" eaLnBrk="1" latinLnBrk="0" hangingPunct="1">
-              <a:spcBef>
-                <a:spcPct val="0"/>
-              </a:spcBef>
-              <a:buNone/>
-              <a:defRPr sz="3600" kern="1200">
-                <a:solidFill>
-                  <a:schemeClr val="accent1"/>
-                </a:solidFill>
-                <a:latin typeface="+mj-lt"/>
-                <a:ea typeface="+mj-ea"/>
-                <a:cs typeface="+mj-cs"/>
-              </a:defRPr>
-            </a:lvl1pPr>
-            <a:lvl2pPr eaLnBrk="1" hangingPunct="1">
-              <a:defRPr>
-                <a:solidFill>
-                  <a:schemeClr val="tx2"/>
-                </a:solidFill>
-              </a:defRPr>
-            </a:lvl2pPr>
-            <a:lvl3pPr eaLnBrk="1" hangingPunct="1">
-              <a:defRPr>
-                <a:solidFill>
-                  <a:schemeClr val="tx2"/>
-                </a:solidFill>
-              </a:defRPr>
-            </a:lvl3pPr>
-            <a:lvl4pPr eaLnBrk="1" hangingPunct="1">
-              <a:defRPr>
-                <a:solidFill>
-                  <a:schemeClr val="tx2"/>
-                </a:solidFill>
-              </a:defRPr>
-            </a:lvl4pPr>
-            <a:lvl5pPr eaLnBrk="1" hangingPunct="1">
-              <a:defRPr>
-                <a:solidFill>
-                  <a:schemeClr val="tx2"/>
-                </a:solidFill>
-              </a:defRPr>
-            </a:lvl5pPr>
-            <a:lvl6pPr eaLnBrk="1" hangingPunct="1">
-              <a:defRPr>
-                <a:solidFill>
-                  <a:schemeClr val="tx2"/>
-                </a:solidFill>
-              </a:defRPr>
-            </a:lvl6pPr>
-            <a:lvl7pPr eaLnBrk="1" hangingPunct="1">
-              <a:defRPr>
-                <a:solidFill>
-                  <a:schemeClr val="tx2"/>
-                </a:solidFill>
-              </a:defRPr>
-            </a:lvl7pPr>
-            <a:lvl8pPr eaLnBrk="1" hangingPunct="1">
-              <a:defRPr>
-                <a:solidFill>
-                  <a:schemeClr val="tx2"/>
-                </a:solidFill>
-              </a:defRPr>
-            </a:lvl8pPr>
-            <a:lvl9pPr eaLnBrk="1" hangingPunct="1">
-              <a:defRPr>
-                <a:solidFill>
-                  <a:schemeClr val="tx2"/>
-                </a:solidFill>
-              </a:defRPr>
-            </a:lvl9pPr>
-          </a:lstStyle>
-          <a:p>
-            <a:pPr algn="ctr"/>
-            <a:r>
-              <a:rPr lang="en-US" sz="2800" b="1" dirty="0" err="1">
-                <a:solidFill>
-                  <a:schemeClr val="tx1"/>
-                </a:solidFill>
-              </a:rPr>
-              <a:t>Transaksi</a:t>
-            </a:r>
-            <a:endParaRPr lang="en-ID" sz="2800" b="1" dirty="0">
-              <a:solidFill>
-                <a:schemeClr val="tx1"/>
-              </a:solidFill>
-            </a:endParaRPr>
-          </a:p>
-        </p:txBody>
-      </p:sp>
-      <p:pic>
-        <p:nvPicPr>
-          <p:cNvPr id="9" name="Picture 8">
-            <a:extLst>
-              <a:ext uri="{FF2B5EF4-FFF2-40B4-BE49-F238E27FC236}">
-                <a16:creationId xmlns:a16="http://schemas.microsoft.com/office/drawing/2014/main" id="{097553A2-8619-9C01-0AFE-670503DEE233}"/>
+                <a16:creationId xmlns:a16="http://schemas.microsoft.com/office/drawing/2014/main" id="{EC43BB36-985D-047B-E3AC-835208D3E84B}"/>
               </a:ext>
             </a:extLst>
           </p:cNvPr>
@@ -14500,8 +15093,8 @@
         </p:blipFill>
         <p:spPr>
           <a:xfrm>
-            <a:off x="1061200" y="5127332"/>
-            <a:ext cx="6858050" cy="904882"/>
+            <a:off x="4885134" y="1710968"/>
+            <a:ext cx="3816575" cy="2376126"/>
           </a:xfrm>
           <a:prstGeom prst="rect">
             <a:avLst/>
@@ -14510,41 +15103,98 @@
       </p:pic>
       <p:pic>
         <p:nvPicPr>
-          <p:cNvPr id="2" name="Google Shape;56;p13">
+          <p:cNvPr id="21" name="Picture 20">
             <a:extLst>
               <a:ext uri="{FF2B5EF4-FFF2-40B4-BE49-F238E27FC236}">
-                <a16:creationId xmlns:a16="http://schemas.microsoft.com/office/drawing/2014/main" id="{1FE9CBBE-9575-5746-11CF-E85E577DBF72}"/>
+                <a16:creationId xmlns:a16="http://schemas.microsoft.com/office/drawing/2014/main" id="{2787B048-0BD2-1B03-485A-476508EA9E2B}"/>
               </a:ext>
             </a:extLst>
           </p:cNvPr>
-          <p:cNvPicPr preferRelativeResize="0"/>
+          <p:cNvPicPr>
+            <a:picLocks noChangeAspect="1"/>
+          </p:cNvPicPr>
           <p:nvPr/>
         </p:nvPicPr>
-        <p:blipFill rotWithShape="1">
-          <a:blip r:embed="rId4">
-            <a:alphaModFix/>
-          </a:blip>
-          <a:srcRect t="34204" b="33891"/>
-          <a:stretch/>
+        <p:blipFill>
+          <a:blip r:embed="rId4"/>
+          <a:stretch>
+            <a:fillRect/>
+          </a:stretch>
         </p:blipFill>
         <p:spPr>
           <a:xfrm>
-            <a:off x="10520985" y="60417"/>
-            <a:ext cx="1447153" cy="461701"/>
+            <a:off x="677335" y="4280539"/>
+            <a:ext cx="4207800" cy="2234561"/>
           </a:xfrm>
           <a:prstGeom prst="rect">
             <a:avLst/>
           </a:prstGeom>
-          <a:noFill/>
-          <a:ln>
-            <a:noFill/>
-          </a:ln>
+        </p:spPr>
+      </p:pic>
+      <p:pic>
+        <p:nvPicPr>
+          <p:cNvPr id="23" name="Picture 22">
+            <a:extLst>
+              <a:ext uri="{FF2B5EF4-FFF2-40B4-BE49-F238E27FC236}">
+                <a16:creationId xmlns:a16="http://schemas.microsoft.com/office/drawing/2014/main" id="{4BDCC3B0-2B19-E2FA-5644-4F93E9180CFE}"/>
+              </a:ext>
+            </a:extLst>
+          </p:cNvPr>
+          <p:cNvPicPr>
+            <a:picLocks noChangeAspect="1"/>
+          </p:cNvPicPr>
+          <p:nvPr/>
+        </p:nvPicPr>
+        <p:blipFill>
+          <a:blip r:embed="rId5"/>
+          <a:stretch>
+            <a:fillRect/>
+          </a:stretch>
+        </p:blipFill>
+        <p:spPr>
+          <a:xfrm>
+            <a:off x="8701709" y="1715938"/>
+            <a:ext cx="3438940" cy="2621820"/>
+          </a:xfrm>
+          <a:prstGeom prst="rect">
+            <a:avLst/>
+          </a:prstGeom>
+        </p:spPr>
+      </p:pic>
+      <p:pic>
+        <p:nvPicPr>
+          <p:cNvPr id="25" name="Picture 24">
+            <a:extLst>
+              <a:ext uri="{FF2B5EF4-FFF2-40B4-BE49-F238E27FC236}">
+                <a16:creationId xmlns:a16="http://schemas.microsoft.com/office/drawing/2014/main" id="{4B9857F2-A037-07C1-EF15-9041749A8120}"/>
+              </a:ext>
+            </a:extLst>
+          </p:cNvPr>
+          <p:cNvPicPr>
+            <a:picLocks noChangeAspect="1"/>
+          </p:cNvPicPr>
+          <p:nvPr/>
+        </p:nvPicPr>
+        <p:blipFill>
+          <a:blip r:embed="rId6"/>
+          <a:stretch>
+            <a:fillRect/>
+          </a:stretch>
+        </p:blipFill>
+        <p:spPr>
+          <a:xfrm>
+            <a:off x="4975668" y="4290498"/>
+            <a:ext cx="5688316" cy="2224602"/>
+          </a:xfrm>
+          <a:prstGeom prst="rect">
+            <a:avLst/>
+          </a:prstGeom>
         </p:spPr>
       </p:pic>
     </p:spTree>
     <p:extLst>
       <p:ext uri="{BB962C8B-B14F-4D97-AF65-F5344CB8AC3E}">
-        <p14:creationId xmlns:p14="http://schemas.microsoft.com/office/powerpoint/2010/main" val="3969393971"/>
+        <p14:creationId xmlns:p14="http://schemas.microsoft.com/office/powerpoint/2010/main" val="3095004930"/>
       </p:ext>
     </p:extLst>
   </p:cSld>
